--- a/CrowdPresentation.pptx
+++ b/CrowdPresentation.pptx
@@ -5,10 +5,10 @@
     <p:sldMasterId id="2147483671" r:id="rId1"/>
   </p:sldMasterIdLst>
   <p:notesMasterIdLst>
-    <p:notesMasterId r:id="rId13"/>
+    <p:notesMasterId r:id="rId14"/>
   </p:notesMasterIdLst>
   <p:handoutMasterIdLst>
-    <p:handoutMasterId r:id="rId14"/>
+    <p:handoutMasterId r:id="rId15"/>
   </p:handoutMasterIdLst>
   <p:sldIdLst>
     <p:sldId id="279" r:id="rId2"/>
@@ -22,6 +22,7 @@
     <p:sldId id="290" r:id="rId10"/>
     <p:sldId id="291" r:id="rId11"/>
     <p:sldId id="293" r:id="rId12"/>
+    <p:sldId id="295" r:id="rId13"/>
   </p:sldIdLst>
   <p:sldSz cx="12192000" cy="6858000"/>
   <p:notesSz cx="9388475" cy="7102475"/>
@@ -123,13 +124,9 @@
   <p:extLst>
     <p:ext uri="{521415D9-36F7-43E2-AB2F-B90AF26B5E84}">
       <p14:sectionLst xmlns:p14="http://schemas.microsoft.com/office/powerpoint/2010/main">
-        <p14:section name="Default Section" id="{7AC375E7-4672-4653-85B2-0A4583879AA6}">
+        <p14:section name="main" id="{1296B996-0434-4117-96AB-43A84F9BF36B}">
           <p14:sldIdLst>
             <p14:sldId id="279"/>
-          </p14:sldIdLst>
-        </p14:section>
-        <p14:section name="Untitled Section" id="{1296B996-0434-4117-96AB-43A84F9BF36B}">
-          <p14:sldIdLst>
             <p14:sldId id="277"/>
             <p14:sldId id="284"/>
             <p14:sldId id="285"/>
@@ -140,6 +137,7 @@
             <p14:sldId id="290"/>
             <p14:sldId id="291"/>
             <p14:sldId id="293"/>
+            <p14:sldId id="295"/>
           </p14:sldIdLst>
         </p14:section>
       </p14:sectionLst>
@@ -778,7 +776,7 @@
           <p:cNvPr id="5" name="Picture 4">
             <a:extLst>
               <a:ext uri="{FF2B5EF4-FFF2-40B4-BE49-F238E27FC236}">
-                <a16:creationId xmlns:a16="http://schemas.microsoft.com/office/drawing/2014/main" xmlns="" id="{BA73233B-0705-4E94-AE39-0FCF7FAB8040}"/>
+                <a16:creationId xmlns="" xmlns:a16="http://schemas.microsoft.com/office/drawing/2014/main" id="{BA73233B-0705-4E94-AE39-0FCF7FAB8040}"/>
               </a:ext>
             </a:extLst>
           </p:cNvPr>
@@ -838,7 +836,7 @@
             <a:hlinkClick r:id="rId3"/>
             <a:extLst>
               <a:ext uri="{FF2B5EF4-FFF2-40B4-BE49-F238E27FC236}">
-                <a16:creationId xmlns:a16="http://schemas.microsoft.com/office/drawing/2014/main" xmlns="" id="{011B0CED-3A92-43B0-A3DE-C37B6408D9DB}"/>
+                <a16:creationId xmlns="" xmlns:a16="http://schemas.microsoft.com/office/drawing/2014/main" id="{011B0CED-3A92-43B0-A3DE-C37B6408D9DB}"/>
               </a:ext>
             </a:extLst>
           </p:cNvPr>
@@ -917,7 +915,7 @@
           <p:cNvPr id="10" name="TextBox 9">
             <a:extLst>
               <a:ext uri="{FF2B5EF4-FFF2-40B4-BE49-F238E27FC236}">
-                <a16:creationId xmlns:a16="http://schemas.microsoft.com/office/drawing/2014/main" xmlns="" id="{0BEF3013-858C-4FFF-B19A-1F10A879C4E8}"/>
+                <a16:creationId xmlns="" xmlns:a16="http://schemas.microsoft.com/office/drawing/2014/main" id="{0BEF3013-858C-4FFF-B19A-1F10A879C4E8}"/>
               </a:ext>
             </a:extLst>
           </p:cNvPr>
@@ -1103,7 +1101,7 @@
           <p:cNvPr id="3" name="Title 2">
             <a:extLst>
               <a:ext uri="{FF2B5EF4-FFF2-40B4-BE49-F238E27FC236}">
-                <a16:creationId xmlns:a16="http://schemas.microsoft.com/office/drawing/2014/main" xmlns="" id="{1CEEE197-7B3D-420C-8D35-83CAE6B36171}"/>
+                <a16:creationId xmlns="" xmlns:a16="http://schemas.microsoft.com/office/drawing/2014/main" id="{1CEEE197-7B3D-420C-8D35-83CAE6B36171}"/>
               </a:ext>
             </a:extLst>
           </p:cNvPr>
@@ -1284,7 +1282,7 @@
           <p:cNvPr id="5" name="TextBox 4">
             <a:extLst>
               <a:ext uri="{FF2B5EF4-FFF2-40B4-BE49-F238E27FC236}">
-                <a16:creationId xmlns:a16="http://schemas.microsoft.com/office/drawing/2014/main" xmlns="" id="{FB34A05A-4AD6-4BC6-B6EA-314331190DB2}"/>
+                <a16:creationId xmlns="" xmlns:a16="http://schemas.microsoft.com/office/drawing/2014/main" id="{FB34A05A-4AD6-4BC6-B6EA-314331190DB2}"/>
               </a:ext>
             </a:extLst>
           </p:cNvPr>
@@ -3310,7 +3308,13 @@
           <a:lstStyle/>
           <a:p>
             <a:r>
-              <a:rPr lang="en-US" sz="4000" dirty="0" smtClean="0"/>
+              <a:rPr lang="en-US" sz="4000" dirty="0" smtClean="0">
+                <a:solidFill>
+                  <a:schemeClr val="accent3">
+                    <a:lumMod val="75000"/>
+                  </a:schemeClr>
+                </a:solidFill>
+              </a:rPr>
               <a:t>Work Plan</a:t>
             </a:r>
             <a:r>
@@ -4365,7 +4369,7 @@
       </p:sp>
       <p:pic>
         <p:nvPicPr>
-          <p:cNvPr id="8" name="Picture 7"/>
+          <p:cNvPr id="9" name="Picture 8"/>
           <p:cNvPicPr>
             <a:picLocks noChangeAspect="1"/>
           </p:cNvPicPr>
@@ -4385,8 +4389,8 @@
         </p:blipFill>
         <p:spPr>
           <a:xfrm>
-            <a:off x="508155" y="1124727"/>
-            <a:ext cx="6096000" cy="6096000"/>
+            <a:off x="4013812" y="1124726"/>
+            <a:ext cx="5948063" cy="5948063"/>
           </a:xfrm>
           <a:prstGeom prst="rect">
             <a:avLst/>
@@ -4395,7 +4399,7 @@
       </p:pic>
       <p:pic>
         <p:nvPicPr>
-          <p:cNvPr id="9" name="Picture 8"/>
+          <p:cNvPr id="4" name="Picture 3"/>
           <p:cNvPicPr>
             <a:picLocks noChangeAspect="1"/>
           </p:cNvPicPr>
@@ -4415,8 +4419,8 @@
         </p:blipFill>
         <p:spPr>
           <a:xfrm>
-            <a:off x="4143298" y="1124727"/>
-            <a:ext cx="5948063" cy="5948063"/>
+            <a:off x="311635" y="976790"/>
+            <a:ext cx="6096000" cy="6096000"/>
           </a:xfrm>
           <a:prstGeom prst="rect">
             <a:avLst/>
@@ -4425,7 +4429,7 @@
       </p:pic>
       <p:pic>
         <p:nvPicPr>
-          <p:cNvPr id="11" name="Picture 10"/>
+          <p:cNvPr id="6" name="Picture 5"/>
           <p:cNvPicPr>
             <a:picLocks noChangeAspect="1"/>
           </p:cNvPicPr>
@@ -4445,7 +4449,7 @@
         </p:blipFill>
         <p:spPr>
           <a:xfrm>
-            <a:off x="7324630" y="762000"/>
+            <a:off x="7455581" y="847344"/>
             <a:ext cx="6096000" cy="6096000"/>
           </a:xfrm>
           <a:prstGeom prst="rect">
@@ -4457,6 +4461,563 @@
     <p:extLst>
       <p:ext uri="{BB962C8B-B14F-4D97-AF65-F5344CB8AC3E}">
         <p14:creationId xmlns:p14="http://schemas.microsoft.com/office/powerpoint/2010/main" val="1636192450"/>
+      </p:ext>
+    </p:extLst>
+  </p:cSld>
+  <p:clrMapOvr>
+    <a:masterClrMapping/>
+  </p:clrMapOvr>
+  <p:transition spd="slow">
+    <p:push dir="u"/>
+  </p:transition>
+  <p:timing>
+    <p:tnLst>
+      <p:par>
+        <p:cTn id="1" dur="indefinite" restart="never" nodeType="tmRoot">
+          <p:childTnLst>
+            <p:seq concurrent="1" nextAc="seek">
+              <p:cTn id="2" dur="indefinite" nodeType="mainSeq">
+                <p:childTnLst>
+                  <p:par>
+                    <p:cTn id="3" fill="hold">
+                      <p:stCondLst>
+                        <p:cond delay="indefinite"/>
+                      </p:stCondLst>
+                      <p:childTnLst>
+                        <p:par>
+                          <p:cTn id="4" fill="hold">
+                            <p:stCondLst>
+                              <p:cond delay="0"/>
+                            </p:stCondLst>
+                            <p:childTnLst>
+                              <p:par>
+                                <p:cTn id="5" presetID="1" presetClass="entr" presetSubtype="0" fill="hold" nodeType="clickEffect">
+                                  <p:stCondLst>
+                                    <p:cond delay="0"/>
+                                  </p:stCondLst>
+                                  <p:childTnLst>
+                                    <p:set>
+                                      <p:cBhvr>
+                                        <p:cTn id="6" dur="1" fill="hold">
+                                          <p:stCondLst>
+                                            <p:cond delay="0"/>
+                                          </p:stCondLst>
+                                        </p:cTn>
+                                        <p:tgtEl>
+                                          <p:spTgt spid="4"/>
+                                        </p:tgtEl>
+                                        <p:attrNameLst>
+                                          <p:attrName>style.visibility</p:attrName>
+                                        </p:attrNameLst>
+                                      </p:cBhvr>
+                                      <p:to>
+                                        <p:strVal val="visible"/>
+                                      </p:to>
+                                    </p:set>
+                                  </p:childTnLst>
+                                </p:cTn>
+                              </p:par>
+                            </p:childTnLst>
+                          </p:cTn>
+                        </p:par>
+                      </p:childTnLst>
+                    </p:cTn>
+                  </p:par>
+                  <p:par>
+                    <p:cTn id="7" fill="hold">
+                      <p:stCondLst>
+                        <p:cond delay="indefinite"/>
+                      </p:stCondLst>
+                      <p:childTnLst>
+                        <p:par>
+                          <p:cTn id="8" fill="hold">
+                            <p:stCondLst>
+                              <p:cond delay="0"/>
+                            </p:stCondLst>
+                            <p:childTnLst>
+                              <p:par>
+                                <p:cTn id="9" presetID="1" presetClass="entr" presetSubtype="0" fill="hold" nodeType="clickEffect">
+                                  <p:stCondLst>
+                                    <p:cond delay="0"/>
+                                  </p:stCondLst>
+                                  <p:childTnLst>
+                                    <p:set>
+                                      <p:cBhvr>
+                                        <p:cTn id="10" dur="1" fill="hold">
+                                          <p:stCondLst>
+                                            <p:cond delay="0"/>
+                                          </p:stCondLst>
+                                        </p:cTn>
+                                        <p:tgtEl>
+                                          <p:spTgt spid="9"/>
+                                        </p:tgtEl>
+                                        <p:attrNameLst>
+                                          <p:attrName>style.visibility</p:attrName>
+                                        </p:attrNameLst>
+                                      </p:cBhvr>
+                                      <p:to>
+                                        <p:strVal val="visible"/>
+                                      </p:to>
+                                    </p:set>
+                                  </p:childTnLst>
+                                </p:cTn>
+                              </p:par>
+                            </p:childTnLst>
+                          </p:cTn>
+                        </p:par>
+                      </p:childTnLst>
+                    </p:cTn>
+                  </p:par>
+                  <p:par>
+                    <p:cTn id="11" fill="hold">
+                      <p:stCondLst>
+                        <p:cond delay="indefinite"/>
+                      </p:stCondLst>
+                      <p:childTnLst>
+                        <p:par>
+                          <p:cTn id="12" fill="hold">
+                            <p:stCondLst>
+                              <p:cond delay="0"/>
+                            </p:stCondLst>
+                            <p:childTnLst>
+                              <p:par>
+                                <p:cTn id="13" presetID="1" presetClass="entr" presetSubtype="0" fill="hold" nodeType="clickEffect">
+                                  <p:stCondLst>
+                                    <p:cond delay="0"/>
+                                  </p:stCondLst>
+                                  <p:childTnLst>
+                                    <p:set>
+                                      <p:cBhvr>
+                                        <p:cTn id="14" dur="1" fill="hold">
+                                          <p:stCondLst>
+                                            <p:cond delay="0"/>
+                                          </p:stCondLst>
+                                        </p:cTn>
+                                        <p:tgtEl>
+                                          <p:spTgt spid="6"/>
+                                        </p:tgtEl>
+                                        <p:attrNameLst>
+                                          <p:attrName>style.visibility</p:attrName>
+                                        </p:attrNameLst>
+                                      </p:cBhvr>
+                                      <p:to>
+                                        <p:strVal val="visible"/>
+                                      </p:to>
+                                    </p:set>
+                                  </p:childTnLst>
+                                </p:cTn>
+                              </p:par>
+                            </p:childTnLst>
+                          </p:cTn>
+                        </p:par>
+                      </p:childTnLst>
+                    </p:cTn>
+                  </p:par>
+                </p:childTnLst>
+              </p:cTn>
+              <p:prevCondLst>
+                <p:cond evt="onPrev" delay="0">
+                  <p:tgtEl>
+                    <p:sldTgt/>
+                  </p:tgtEl>
+                </p:cond>
+              </p:prevCondLst>
+              <p:nextCondLst>
+                <p:cond evt="onNext" delay="0">
+                  <p:tgtEl>
+                    <p:sldTgt/>
+                  </p:tgtEl>
+                </p:cond>
+              </p:nextCondLst>
+            </p:seq>
+          </p:childTnLst>
+        </p:cTn>
+      </p:par>
+    </p:tnLst>
+  </p:timing>
+</p:sld>
+</file>
+
+<file path=ppt/slides/slide12.xml><?xml version="1.0" encoding="utf-8"?>
+<p:sld xmlns:a="http://schemas.openxmlformats.org/drawingml/2006/main" xmlns:r="http://schemas.openxmlformats.org/officeDocument/2006/relationships" xmlns:p="http://schemas.openxmlformats.org/presentationml/2006/main">
+  <p:cSld>
+    <p:spTree>
+      <p:nvGrpSpPr>
+        <p:cNvPr id="1" name=""/>
+        <p:cNvGrpSpPr/>
+        <p:nvPr/>
+      </p:nvGrpSpPr>
+      <p:grpSpPr>
+        <a:xfrm>
+          <a:off x="0" y="0"/>
+          <a:ext cx="0" cy="0"/>
+          <a:chOff x="0" y="0"/>
+          <a:chExt cx="0" cy="0"/>
+        </a:xfrm>
+      </p:grpSpPr>
+      <p:sp>
+        <p:nvSpPr>
+          <p:cNvPr id="10" name="Percent"/>
+          <p:cNvSpPr/>
+          <p:nvPr/>
+        </p:nvSpPr>
+        <p:spPr>
+          <a:xfrm>
+            <a:off x="3556155" y="6188838"/>
+            <a:ext cx="915315" cy="492443"/>
+          </a:xfrm>
+          <a:prstGeom prst="rect">
+            <a:avLst/>
+          </a:prstGeom>
+        </p:spPr>
+        <p:txBody>
+          <a:bodyPr wrap="none" lIns="0" tIns="0" rIns="0" bIns="0">
+            <a:spAutoFit/>
+          </a:bodyPr>
+          <a:lstStyle/>
+          <a:p>
+            <a:pPr marL="0" marR="0" lvl="0" indent="0" algn="ctr" defTabSz="457200" eaLnBrk="1" fontAlgn="auto" latinLnBrk="0" hangingPunct="1">
+              <a:lnSpc>
+                <a:spcPct val="100000"/>
+              </a:lnSpc>
+              <a:spcBef>
+                <a:spcPts val="0"/>
+              </a:spcBef>
+              <a:spcAft>
+                <a:spcPts val="0"/>
+              </a:spcAft>
+              <a:buClrTx/>
+              <a:buSzTx/>
+              <a:buFontTx/>
+              <a:buNone/>
+              <a:tabLst/>
+              <a:defRPr/>
+            </a:pPr>
+            <a:r>
+              <a:rPr kumimoji="0" lang="en-US" sz="3200" b="1" i="0" u="none" strike="noStrike" kern="0" cap="none" spc="0" normalizeH="0" baseline="0" noProof="0" dirty="0">
+                <a:ln>
+                  <a:noFill/>
+                </a:ln>
+                <a:solidFill>
+                  <a:schemeClr val="bg1"/>
+                </a:solidFill>
+                <a:effectLst/>
+                <a:uLnTx/>
+                <a:uFillTx/>
+                <a:latin typeface="Montserrat" panose="02000505000000020004" pitchFamily="2" charset="0"/>
+              </a:rPr>
+              <a:t>22</a:t>
+            </a:r>
+            <a:r>
+              <a:rPr kumimoji="0" lang="en-US" sz="2800" b="1" i="0" u="none" strike="noStrike" kern="0" cap="none" spc="0" normalizeH="0" baseline="0" noProof="0" dirty="0">
+                <a:ln>
+                  <a:noFill/>
+                </a:ln>
+                <a:solidFill>
+                  <a:schemeClr val="bg1"/>
+                </a:solidFill>
+                <a:effectLst/>
+                <a:uLnTx/>
+                <a:uFillTx/>
+                <a:latin typeface="Montserrat" panose="02000505000000020004" pitchFamily="2" charset="0"/>
+              </a:rPr>
+              <a:t>% </a:t>
+            </a:r>
+            <a:endParaRPr kumimoji="0" lang="en-US" sz="4000" b="1" i="0" u="none" strike="noStrike" kern="0" cap="none" spc="0" normalizeH="0" baseline="0" noProof="0" dirty="0">
+              <a:ln>
+                <a:noFill/>
+              </a:ln>
+              <a:solidFill>
+                <a:schemeClr val="bg1"/>
+              </a:solidFill>
+              <a:effectLst/>
+              <a:uLnTx/>
+              <a:uFillTx/>
+              <a:latin typeface="Montserrat" panose="02000505000000020004" pitchFamily="2" charset="0"/>
+            </a:endParaRPr>
+          </a:p>
+        </p:txBody>
+      </p:sp>
+      <p:sp>
+        <p:nvSpPr>
+          <p:cNvPr id="3" name="Title 2"/>
+          <p:cNvSpPr>
+            <a:spLocks noGrp="1"/>
+          </p:cNvSpPr>
+          <p:nvPr>
+            <p:ph type="title"/>
+          </p:nvPr>
+        </p:nvSpPr>
+        <p:spPr>
+          <a:xfrm>
+            <a:off x="0" y="0"/>
+            <a:ext cx="12192000" cy="1050758"/>
+          </a:xfrm>
+        </p:spPr>
+        <p:txBody>
+          <a:bodyPr/>
+          <a:lstStyle/>
+          <a:p>
+            <a:r>
+              <a:rPr lang="en-US" sz="4000" dirty="0" smtClean="0">
+                <a:solidFill>
+                  <a:schemeClr val="accent3">
+                    <a:lumMod val="75000"/>
+                  </a:schemeClr>
+                </a:solidFill>
+              </a:rPr>
+              <a:t>Work Plan</a:t>
+            </a:r>
+            <a:r>
+              <a:rPr lang="en-US" sz="4000" dirty="0">
+                <a:solidFill>
+                  <a:schemeClr val="accent3">
+                    <a:lumMod val="75000"/>
+                  </a:schemeClr>
+                </a:solidFill>
+              </a:rPr>
+              <a:t> </a:t>
+            </a:r>
+            <a:endParaRPr lang="en-US" dirty="0">
+              <a:solidFill>
+                <a:schemeClr val="accent3">
+                  <a:lumMod val="75000"/>
+                </a:schemeClr>
+              </a:solidFill>
+            </a:endParaRPr>
+          </a:p>
+        </p:txBody>
+      </p:sp>
+      <p:sp>
+        <p:nvSpPr>
+          <p:cNvPr id="2" name="Slide Number Placeholder 1"/>
+          <p:cNvSpPr>
+            <a:spLocks noGrp="1"/>
+          </p:cNvSpPr>
+          <p:nvPr>
+            <p:ph type="sldNum" sz="quarter" idx="4294967295"/>
+          </p:nvPr>
+        </p:nvSpPr>
+        <p:spPr>
+          <a:xfrm>
+            <a:off x="9448800" y="6316663"/>
+            <a:ext cx="2743200" cy="365125"/>
+          </a:xfrm>
+        </p:spPr>
+        <p:txBody>
+          <a:bodyPr/>
+          <a:lstStyle/>
+          <a:p>
+            <a:fld id="{5AE1514C-5E56-4738-A1FF-4B1CFD2A3E36}" type="slidenum">
+              <a:rPr lang="en-US" smtClean="0"/>
+              <a:pPr/>
+              <a:t>12</a:t>
+            </a:fld>
+            <a:endParaRPr lang="en-US"/>
+          </a:p>
+        </p:txBody>
+      </p:sp>
+      <p:sp>
+        <p:nvSpPr>
+          <p:cNvPr id="5" name="TextBox 4"/>
+          <p:cNvSpPr txBox="1"/>
+          <p:nvPr/>
+        </p:nvSpPr>
+        <p:spPr>
+          <a:xfrm>
+            <a:off x="683078" y="1050758"/>
+            <a:ext cx="10825843" cy="3200876"/>
+          </a:xfrm>
+          <a:prstGeom prst="rect">
+            <a:avLst/>
+          </a:prstGeom>
+          <a:noFill/>
+        </p:spPr>
+        <p:txBody>
+          <a:bodyPr wrap="square" rtlCol="1">
+            <a:spAutoFit/>
+          </a:bodyPr>
+          <a:lstStyle/>
+          <a:p>
+            <a:pPr lvl="1"/>
+            <a:endParaRPr lang="en-US" dirty="0" smtClean="0"/>
+          </a:p>
+          <a:p>
+            <a:pPr marL="742950" lvl="1" indent="-285750">
+              <a:buFont typeface="Arial" panose="020B0604020202020204" pitchFamily="34" charset="0"/>
+              <a:buChar char="•"/>
+            </a:pPr>
+            <a:endParaRPr lang="en-US" dirty="0"/>
+          </a:p>
+          <a:p>
+            <a:pPr marL="285750" indent="-285750">
+              <a:buFont typeface="Arial" panose="020B0604020202020204" pitchFamily="34" charset="0"/>
+              <a:buChar char="•"/>
+            </a:pPr>
+            <a:r>
+              <a:rPr lang="en-US" dirty="0" smtClean="0"/>
+              <a:t>Spam: </a:t>
+            </a:r>
+            <a:r>
+              <a:rPr lang="en-US" dirty="0"/>
+              <a:t>only </a:t>
+            </a:r>
+            <a:r>
+              <a:rPr lang="en-US" dirty="0" smtClean="0"/>
+              <a:t>Facebook or Gmail </a:t>
+            </a:r>
+            <a:r>
+              <a:rPr lang="en-US" dirty="0"/>
+              <a:t>users can sign-in. Facebook is dealing with spammers.</a:t>
+            </a:r>
+          </a:p>
+          <a:p>
+            <a:pPr marL="285750" indent="-285750">
+              <a:buFont typeface="Arial" panose="020B0604020202020204" pitchFamily="34" charset="0"/>
+              <a:buChar char="•"/>
+            </a:pPr>
+            <a:r>
+              <a:rPr lang="en-US" dirty="0" smtClean="0"/>
+              <a:t>Incentive: interest </a:t>
+            </a:r>
+            <a:r>
+              <a:rPr lang="en-US" dirty="0"/>
+              <a:t>in the personal statistics and recommendations.</a:t>
+            </a:r>
+          </a:p>
+          <a:p>
+            <a:pPr marL="285750" indent="-285750">
+              <a:buFont typeface="Arial" panose="020B0604020202020204" pitchFamily="34" charset="0"/>
+              <a:buChar char="•"/>
+            </a:pPr>
+            <a:r>
+              <a:rPr lang="en-US" dirty="0"/>
+              <a:t>Sources of </a:t>
+            </a:r>
+            <a:r>
+              <a:rPr lang="en-US" dirty="0" smtClean="0"/>
+              <a:t>information: Scraping </a:t>
+            </a:r>
+            <a:r>
+              <a:rPr lang="en-US" dirty="0"/>
+              <a:t>the Knesset web site.</a:t>
+            </a:r>
+          </a:p>
+          <a:p>
+            <a:pPr marL="285750" indent="-285750">
+              <a:buFont typeface="Arial" panose="020B0604020202020204" pitchFamily="34" charset="0"/>
+              <a:buChar char="•"/>
+            </a:pPr>
+            <a:r>
+              <a:rPr lang="en-US" dirty="0" smtClean="0"/>
+              <a:t>Reliability: Unfortunately </a:t>
+            </a:r>
+            <a:r>
+              <a:rPr lang="en-US" dirty="0"/>
+              <a:t>we can't assure the user don't just make a mess – this is our indulgent assumption.  </a:t>
+            </a:r>
+          </a:p>
+          <a:p>
+            <a:pPr lvl="3"/>
+            <a:endParaRPr lang="en-US" sz="2800" b="1" dirty="0" smtClean="0"/>
+          </a:p>
+          <a:p>
+            <a:pPr lvl="2"/>
+            <a:endParaRPr lang="en-US" sz="2400" dirty="0"/>
+          </a:p>
+          <a:p>
+            <a:pPr lvl="2"/>
+            <a:endParaRPr lang="en-US" sz="2400" dirty="0"/>
+          </a:p>
+        </p:txBody>
+      </p:sp>
+      <p:sp>
+        <p:nvSpPr>
+          <p:cNvPr id="27" name="Rectangle 22"/>
+          <p:cNvSpPr>
+            <a:spLocks noChangeArrowheads="1"/>
+          </p:cNvSpPr>
+          <p:nvPr/>
+        </p:nvSpPr>
+        <p:spPr bwMode="auto">
+          <a:xfrm>
+            <a:off x="0" y="1473200"/>
+            <a:ext cx="65" cy="276999"/>
+          </a:xfrm>
+          <a:prstGeom prst="rect">
+            <a:avLst/>
+          </a:prstGeom>
+          <a:solidFill>
+            <a:srgbClr val="FFFFFF"/>
+          </a:solidFill>
+          <a:ln>
+            <a:noFill/>
+          </a:ln>
+          <a:effectLst/>
+          <a:extLst>
+            <a:ext uri="{91240B29-F687-4F45-9708-019B960494DF}">
+              <a14:hiddenLine xmlns:a14="http://schemas.microsoft.com/office/drawing/2010/main" w="9525">
+                <a:solidFill>
+                  <a:schemeClr val="tx1"/>
+                </a:solidFill>
+                <a:miter lim="800000"/>
+                <a:headEnd/>
+                <a:tailEnd/>
+              </a14:hiddenLine>
+            </a:ext>
+            <a:ext uri="{AF507438-7753-43E0-B8FC-AC1667EBCBE1}">
+              <a14:hiddenEffects xmlns:a14="http://schemas.microsoft.com/office/drawing/2010/main">
+                <a:effectLst>
+                  <a:outerShdw dist="35921" dir="2700000" algn="ctr" rotWithShape="0">
+                    <a:schemeClr val="bg2"/>
+                  </a:outerShdw>
+                </a:effectLst>
+              </a14:hiddenEffects>
+            </a:ext>
+          </a:extLst>
+        </p:spPr>
+        <p:txBody>
+          <a:bodyPr vert="horz" wrap="none" lIns="0" tIns="0" rIns="0" bIns="0" numCol="1" anchor="ctr" anchorCtr="0" compatLnSpc="1">
+            <a:prstTxWarp prst="textNoShape">
+              <a:avLst/>
+            </a:prstTxWarp>
+            <a:spAutoFit/>
+          </a:bodyPr>
+          <a:lstStyle/>
+          <a:p>
+            <a:pPr marL="0" marR="0" lvl="0" indent="0" algn="l" defTabSz="914400" rtl="0" eaLnBrk="0" fontAlgn="base" latinLnBrk="0" hangingPunct="0">
+              <a:lnSpc>
+                <a:spcPct val="100000"/>
+              </a:lnSpc>
+              <a:spcBef>
+                <a:spcPct val="0"/>
+              </a:spcBef>
+              <a:spcAft>
+                <a:spcPct val="0"/>
+              </a:spcAft>
+              <a:buClrTx/>
+              <a:buSzTx/>
+              <a:buFontTx/>
+              <a:buNone/>
+              <a:tabLst/>
+            </a:pPr>
+            <a:endParaRPr kumimoji="0" lang="he-IL" altLang="he-IL" sz="1800" b="0" i="0" u="none" strike="noStrike" cap="none" normalizeH="0" baseline="0" dirty="0" smtClean="0">
+              <a:ln>
+                <a:noFill/>
+              </a:ln>
+              <a:solidFill>
+                <a:schemeClr val="tx1"/>
+              </a:solidFill>
+              <a:effectLst/>
+              <a:latin typeface="Arial" panose="020B0604020202020204" pitchFamily="34" charset="0"/>
+            </a:endParaRPr>
+          </a:p>
+        </p:txBody>
+      </p:sp>
+    </p:spTree>
+    <p:extLst>
+      <p:ext uri="{BB962C8B-B14F-4D97-AF65-F5344CB8AC3E}">
+        <p14:creationId xmlns:p14="http://schemas.microsoft.com/office/powerpoint/2010/main" val="522057148"/>
       </p:ext>
     </p:extLst>
   </p:cSld>
@@ -6748,7 +7309,7 @@
         <p:spPr>
           <a:xfrm>
             <a:off x="683078" y="1611699"/>
-            <a:ext cx="10825843" cy="5324535"/>
+            <a:ext cx="10825843" cy="5416868"/>
           </a:xfrm>
           <a:prstGeom prst="rect">
             <a:avLst/>
@@ -6762,19 +7323,19 @@
           <a:lstStyle/>
           <a:p>
             <a:r>
-              <a:rPr lang="en-US" b="1" dirty="0"/>
+              <a:rPr lang="en-US" sz="2400" b="1" dirty="0"/>
               <a:t>Main </a:t>
             </a:r>
             <a:r>
-              <a:rPr lang="en-US" b="1" dirty="0" err="1"/>
+              <a:rPr lang="en-US" sz="2400" b="1" dirty="0" err="1"/>
               <a:t>Heimdall</a:t>
             </a:r>
             <a:r>
-              <a:rPr lang="en-US" b="1" dirty="0"/>
+              <a:rPr lang="en-US" sz="2400" b="1" dirty="0"/>
               <a:t> idea</a:t>
             </a:r>
             <a:r>
-              <a:rPr lang="en-US" b="1" dirty="0" smtClean="0"/>
+              <a:rPr lang="en-US" sz="2400" b="1" dirty="0" smtClean="0"/>
               <a:t>:</a:t>
             </a:r>
           </a:p>
@@ -6814,7 +7375,37 @@
                 </a:solidFill>
                 <a:latin typeface="inherit"/>
               </a:rPr>
-              <a:t> application</a:t>
+              <a:t> </a:t>
+            </a:r>
+            <a:r>
+              <a:rPr lang="he-IL" altLang="he-IL" dirty="0" smtClean="0">
+                <a:solidFill>
+                  <a:srgbClr val="212121"/>
+                </a:solidFill>
+                <a:latin typeface="inherit"/>
+              </a:rPr>
+              <a:t>application</a:t>
+            </a:r>
+            <a:r>
+              <a:rPr lang="en-US" altLang="he-IL" dirty="0" smtClean="0">
+                <a:solidFill>
+                  <a:srgbClr val="212121"/>
+                </a:solidFill>
+                <a:latin typeface="inherit"/>
+              </a:rPr>
+              <a:t> </a:t>
+            </a:r>
+            <a:r>
+              <a:rPr lang="en-US" dirty="0"/>
+              <a:t>(with </a:t>
+            </a:r>
+            <a:r>
+              <a:rPr lang="en-US" dirty="0" smtClean="0"/>
+              <a:t>Facebook or Gmail </a:t>
+            </a:r>
+            <a:r>
+              <a:rPr lang="en-US" dirty="0"/>
+              <a:t>token) </a:t>
             </a:r>
             <a:r>
               <a:rPr lang="en-US" altLang="he-IL" dirty="0" smtClean="0">
@@ -6825,6 +7416,12 @@
               </a:rPr>
               <a:t>.</a:t>
             </a:r>
+            <a:endParaRPr lang="en-US" altLang="he-IL" dirty="0" smtClean="0">
+              <a:solidFill>
+                <a:srgbClr val="212121"/>
+              </a:solidFill>
+              <a:latin typeface="inherit"/>
+            </a:endParaRPr>
           </a:p>
           <a:p>
             <a:pPr marL="800100" lvl="1" indent="-342900">
@@ -6855,7 +7452,7 @@
             </a:r>
           </a:p>
           <a:p>
-            <a:pPr marL="1257300" lvl="2" indent="-342900">
+            <a:pPr marL="1198800" lvl="2" indent="-284400">
               <a:buFont typeface="Arial" panose="020B0604020202020204" pitchFamily="34" charset="0"/>
               <a:buChar char="•"/>
             </a:pPr>
@@ -6865,7 +7462,15 @@
             </a:r>
             <a:r>
               <a:rPr lang="en-US" dirty="0" smtClean="0"/>
-              <a:t>notify about new lows that was voted in the </a:t>
+              <a:t>notify about new </a:t>
+            </a:r>
+            <a:r>
+              <a:rPr lang="en-US" dirty="0" smtClean="0"/>
+              <a:t>laws </a:t>
+            </a:r>
+            <a:r>
+              <a:rPr lang="en-US" dirty="0" smtClean="0"/>
+              <a:t>that was voted in the </a:t>
             </a:r>
             <a:r>
               <a:rPr lang="en-US" dirty="0" err="1" smtClean="0"/>
@@ -6874,13 +7479,29 @@
             <a:endParaRPr lang="en-US" dirty="0"/>
           </a:p>
           <a:p>
-            <a:pPr marL="1257300" lvl="2" indent="-342900">
+            <a:pPr marL="1198800" lvl="2" indent="-284400">
               <a:buFont typeface="Arial" panose="020B0604020202020204" pitchFamily="34" charset="0"/>
               <a:buChar char="•"/>
             </a:pPr>
             <a:r>
               <a:rPr lang="en-US" altLang="he-IL" dirty="0" smtClean="0"/>
-              <a:t>User notify about status changes in an existing lows. </a:t>
+              <a:t>User notify about </a:t>
+            </a:r>
+            <a:r>
+              <a:rPr lang="en-US" altLang="he-IL" dirty="0" smtClean="0"/>
+              <a:t>status </a:t>
+            </a:r>
+            <a:r>
+              <a:rPr lang="en-US" altLang="he-IL" dirty="0" smtClean="0"/>
+              <a:t>changes in an existing </a:t>
+            </a:r>
+            <a:r>
+              <a:rPr lang="en-US" altLang="he-IL" dirty="0" smtClean="0"/>
+              <a:t>laws</a:t>
+            </a:r>
+            <a:r>
+              <a:rPr lang="en-US" altLang="he-IL" dirty="0" smtClean="0"/>
+              <a:t>. </a:t>
             </a:r>
           </a:p>
           <a:p>
@@ -6974,7 +7595,15 @@
             </a:pPr>
             <a:r>
               <a:rPr lang="en-US" dirty="0" smtClean="0"/>
-              <a:t>User can mark a low as “like” or “dislike”.</a:t>
+              <a:t>User can mark a </a:t>
+            </a:r>
+            <a:r>
+              <a:rPr lang="en-US" dirty="0" smtClean="0"/>
+              <a:t>law </a:t>
+            </a:r>
+            <a:r>
+              <a:rPr lang="en-US" dirty="0" smtClean="0"/>
+              <a:t>as “like” or “dislike”.</a:t>
             </a:r>
           </a:p>
           <a:p>
@@ -8329,7 +8958,7 @@
         <p:spPr>
           <a:xfrm>
             <a:off x="683078" y="1611699"/>
-            <a:ext cx="10825843" cy="2831544"/>
+            <a:ext cx="10825843" cy="2923877"/>
           </a:xfrm>
           <a:prstGeom prst="rect">
             <a:avLst/>
@@ -8343,20 +8972,24 @@
           <a:lstStyle/>
           <a:p>
             <a:r>
+              <a:rPr lang="en-US" sz="2400" b="1" dirty="0" smtClean="0"/>
+              <a:t>Main </a:t>
+            </a:r>
+            <a:r>
+              <a:rPr lang="en-US" sz="2400" b="1" dirty="0" err="1"/>
+              <a:t>Heimdall</a:t>
+            </a:r>
+            <a:r>
+              <a:rPr lang="en-US" sz="2400" b="1" dirty="0"/>
+              <a:t> </a:t>
+            </a:r>
+            <a:r>
+              <a:rPr lang="en-US" sz="2400" b="1" dirty="0" smtClean="0"/>
+              <a:t>purpose:</a:t>
+            </a:r>
+            <a:r>
               <a:rPr lang="en-US" b="1" dirty="0" smtClean="0"/>
-              <a:t>Main </a:t>
-            </a:r>
-            <a:r>
-              <a:rPr lang="en-US" b="1" dirty="0" err="1"/>
-              <a:t>Heimdall</a:t>
-            </a:r>
-            <a:r>
-              <a:rPr lang="en-US" b="1" dirty="0"/>
-              <a:t> </a:t>
-            </a:r>
-            <a:r>
-              <a:rPr lang="en-US" b="1" dirty="0" smtClean="0"/>
-              <a:t>purpose:</a:t>
+              <a:t/>
             </a:r>
             <a:br>
               <a:rPr lang="en-US" b="1" dirty="0" smtClean="0"/>
@@ -8968,7 +9601,13 @@
           <a:lstStyle/>
           <a:p>
             <a:r>
-              <a:rPr lang="en-US" sz="4000" dirty="0"/>
+              <a:rPr lang="en-US" sz="4000" dirty="0">
+                <a:solidFill>
+                  <a:schemeClr val="accent3">
+                    <a:lumMod val="75000"/>
+                  </a:schemeClr>
+                </a:solidFill>
+              </a:rPr>
               <a:t>MUCH Politics! VERY Crowd!</a:t>
             </a:r>
             <a:r>
@@ -9329,7 +9968,7 @@
         <p:spPr>
           <a:xfrm>
             <a:off x="683078" y="1611699"/>
-            <a:ext cx="10825843" cy="4308872"/>
+            <a:ext cx="10825843" cy="4401205"/>
           </a:xfrm>
           <a:prstGeom prst="rect">
             <a:avLst/>
@@ -9343,9 +9982,14 @@
           <a:lstStyle/>
           <a:p>
             <a:r>
-              <a:rPr lang="en-US" b="1" dirty="0" smtClean="0"/>
-              <a:t>Team Members:</a:t>
-            </a:r>
+              <a:rPr lang="en-US" sz="2400" b="1" dirty="0" smtClean="0"/>
+              <a:t>Team Members</a:t>
+            </a:r>
+            <a:r>
+              <a:rPr lang="en-US" sz="2400" b="1" dirty="0" smtClean="0"/>
+              <a:t>:</a:t>
+            </a:r>
+            <a:endParaRPr lang="en-US" sz="2400" b="1" dirty="0" smtClean="0"/>
           </a:p>
           <a:p>
             <a:pPr marL="742950" lvl="1" indent="-285750">

--- a/CrowdPresentation.pptx
+++ b/CrowdPresentation.pptx
@@ -5,10 +5,10 @@
     <p:sldMasterId id="2147483671" r:id="rId1"/>
   </p:sldMasterIdLst>
   <p:notesMasterIdLst>
-    <p:notesMasterId r:id="rId14"/>
+    <p:notesMasterId r:id="rId15"/>
   </p:notesMasterIdLst>
   <p:handoutMasterIdLst>
-    <p:handoutMasterId r:id="rId15"/>
+    <p:handoutMasterId r:id="rId16"/>
   </p:handoutMasterIdLst>
   <p:sldIdLst>
     <p:sldId id="279" r:id="rId2"/>
@@ -23,6 +23,7 @@
     <p:sldId id="291" r:id="rId11"/>
     <p:sldId id="293" r:id="rId12"/>
     <p:sldId id="295" r:id="rId13"/>
+    <p:sldId id="296" r:id="rId14"/>
   </p:sldIdLst>
   <p:sldSz cx="12192000" cy="6858000"/>
   <p:notesSz cx="9388475" cy="7102475"/>
@@ -138,6 +139,7 @@
             <p14:sldId id="291"/>
             <p14:sldId id="293"/>
             <p14:sldId id="295"/>
+            <p14:sldId id="296"/>
           </p14:sldIdLst>
         </p14:section>
       </p14:sectionLst>
@@ -238,7 +240,7 @@
           <a:p>
             <a:fld id="{7CCA049B-3A46-4BDA-A8F5-2925B00FE570}" type="datetimeFigureOut">
               <a:rPr lang="en-US" smtClean="0"/>
-              <a:t>12/8/2017</a:t>
+              <a:t>12/9/2017</a:t>
             </a:fld>
             <a:endParaRPr lang="en-US"/>
           </a:p>
@@ -403,7 +405,7 @@
           <a:p>
             <a:fld id="{44C46CEC-428A-4DD0-A7C7-21AF8DE33E93}" type="datetimeFigureOut">
               <a:rPr lang="en-US" smtClean="0"/>
-              <a:t>12/8/2017</a:t>
+              <a:t>12/9/2017</a:t>
             </a:fld>
             <a:endParaRPr lang="en-US"/>
           </a:p>
@@ -776,7 +778,7 @@
           <p:cNvPr id="5" name="Picture 4">
             <a:extLst>
               <a:ext uri="{FF2B5EF4-FFF2-40B4-BE49-F238E27FC236}">
-                <a16:creationId xmlns="" xmlns:a16="http://schemas.microsoft.com/office/drawing/2014/main" id="{BA73233B-0705-4E94-AE39-0FCF7FAB8040}"/>
+                <a16:creationId xmlns:a16="http://schemas.microsoft.com/office/drawing/2014/main" xmlns="" id="{BA73233B-0705-4E94-AE39-0FCF7FAB8040}"/>
               </a:ext>
             </a:extLst>
           </p:cNvPr>
@@ -836,7 +838,7 @@
             <a:hlinkClick r:id="rId3"/>
             <a:extLst>
               <a:ext uri="{FF2B5EF4-FFF2-40B4-BE49-F238E27FC236}">
-                <a16:creationId xmlns="" xmlns:a16="http://schemas.microsoft.com/office/drawing/2014/main" id="{011B0CED-3A92-43B0-A3DE-C37B6408D9DB}"/>
+                <a16:creationId xmlns:a16="http://schemas.microsoft.com/office/drawing/2014/main" xmlns="" id="{011B0CED-3A92-43B0-A3DE-C37B6408D9DB}"/>
               </a:ext>
             </a:extLst>
           </p:cNvPr>
@@ -915,7 +917,7 @@
           <p:cNvPr id="10" name="TextBox 9">
             <a:extLst>
               <a:ext uri="{FF2B5EF4-FFF2-40B4-BE49-F238E27FC236}">
-                <a16:creationId xmlns="" xmlns:a16="http://schemas.microsoft.com/office/drawing/2014/main" id="{0BEF3013-858C-4FFF-B19A-1F10A879C4E8}"/>
+                <a16:creationId xmlns:a16="http://schemas.microsoft.com/office/drawing/2014/main" xmlns="" id="{0BEF3013-858C-4FFF-B19A-1F10A879C4E8}"/>
               </a:ext>
             </a:extLst>
           </p:cNvPr>
@@ -1101,7 +1103,7 @@
           <p:cNvPr id="3" name="Title 2">
             <a:extLst>
               <a:ext uri="{FF2B5EF4-FFF2-40B4-BE49-F238E27FC236}">
-                <a16:creationId xmlns="" xmlns:a16="http://schemas.microsoft.com/office/drawing/2014/main" id="{1CEEE197-7B3D-420C-8D35-83CAE6B36171}"/>
+                <a16:creationId xmlns:a16="http://schemas.microsoft.com/office/drawing/2014/main" xmlns="" id="{1CEEE197-7B3D-420C-8D35-83CAE6B36171}"/>
               </a:ext>
             </a:extLst>
           </p:cNvPr>
@@ -1282,7 +1284,7 @@
           <p:cNvPr id="5" name="TextBox 4">
             <a:extLst>
               <a:ext uri="{FF2B5EF4-FFF2-40B4-BE49-F238E27FC236}">
-                <a16:creationId xmlns="" xmlns:a16="http://schemas.microsoft.com/office/drawing/2014/main" id="{FB34A05A-4AD6-4BC6-B6EA-314331190DB2}"/>
+                <a16:creationId xmlns:a16="http://schemas.microsoft.com/office/drawing/2014/main" xmlns="" id="{FB34A05A-4AD6-4BC6-B6EA-314331190DB2}"/>
               </a:ext>
             </a:extLst>
           </p:cNvPr>
@@ -4759,13 +4761,7 @@
           <a:lstStyle/>
           <a:p>
             <a:r>
-              <a:rPr lang="en-US" sz="4000" dirty="0" smtClean="0">
-                <a:solidFill>
-                  <a:schemeClr val="accent3">
-                    <a:lumMod val="75000"/>
-                  </a:schemeClr>
-                </a:solidFill>
-              </a:rPr>
+              <a:rPr lang="en-US" sz="4000" dirty="0"/>
               <a:t>Work Plan</a:t>
             </a:r>
             <a:r>
@@ -4826,7 +4822,7 @@
         <p:spPr>
           <a:xfrm>
             <a:off x="683078" y="1050758"/>
-            <a:ext cx="10825843" cy="3200876"/>
+            <a:ext cx="10825843" cy="4770537"/>
           </a:xfrm>
           <a:prstGeom prst="rect">
             <a:avLst/>
@@ -4840,10 +4836,66 @@
           <a:lstStyle/>
           <a:p>
             <a:pPr lvl="1"/>
-            <a:endParaRPr lang="en-US" dirty="0" smtClean="0"/>
-          </a:p>
-          <a:p>
-            <a:pPr marL="742950" lvl="1" indent="-285750">
+            <a:endParaRPr lang="en-US" dirty="0"/>
+          </a:p>
+          <a:p>
+            <a:r>
+              <a:rPr lang="he-IL" altLang="he-IL" sz="2400" b="1" dirty="0"/>
+              <a:t>Problems that you may encounter </a:t>
+            </a:r>
+            <a:r>
+              <a:rPr lang="en-US" altLang="he-IL" sz="2400" b="1" dirty="0" smtClean="0"/>
+              <a:t/>
+            </a:r>
+            <a:br>
+              <a:rPr lang="en-US" altLang="he-IL" sz="2400" b="1" dirty="0" smtClean="0"/>
+            </a:br>
+            <a:endParaRPr lang="en-US" sz="2400" b="1" dirty="0"/>
+          </a:p>
+          <a:p>
+            <a:pPr marL="285750" indent="-285750">
+              <a:buFont typeface="Arial" panose="020B0604020202020204" pitchFamily="34" charset="0"/>
+              <a:buChar char="•"/>
+            </a:pPr>
+            <a:r>
+              <a:rPr lang="en-US" dirty="0" smtClean="0"/>
+              <a:t>Spam: </a:t>
+            </a:r>
+            <a:r>
+              <a:rPr lang="en-US" dirty="0"/>
+              <a:t>only </a:t>
+            </a:r>
+            <a:r>
+              <a:rPr lang="en-US" dirty="0" smtClean="0"/>
+              <a:t>Facebook or Gmail </a:t>
+            </a:r>
+            <a:r>
+              <a:rPr lang="en-US" dirty="0"/>
+              <a:t>users can </a:t>
+            </a:r>
+            <a:r>
+              <a:rPr lang="en-US" dirty="0" smtClean="0"/>
+              <a:t>sign-in, </a:t>
+            </a:r>
+            <a:r>
+              <a:rPr lang="en-US" dirty="0"/>
+              <a:t>F</a:t>
+            </a:r>
+            <a:r>
+              <a:rPr lang="en-US" dirty="0" smtClean="0"/>
+              <a:t>acebook and Google is </a:t>
+            </a:r>
+            <a:r>
+              <a:rPr lang="en-US" dirty="0"/>
+              <a:t>dealing with spammers</a:t>
+            </a:r>
+            <a:r>
+              <a:rPr lang="en-US" dirty="0" smtClean="0"/>
+              <a:t>.</a:t>
+            </a:r>
+          </a:p>
+          <a:p>
+            <a:pPr marL="285750" indent="-285750">
               <a:buFont typeface="Arial" panose="020B0604020202020204" pitchFamily="34" charset="0"/>
               <a:buChar char="•"/>
             </a:pPr>
@@ -4856,19 +4908,15 @@
             </a:pPr>
             <a:r>
               <a:rPr lang="en-US" dirty="0" smtClean="0"/>
-              <a:t>Spam: </a:t>
+              <a:t>Incentive: interest </a:t>
             </a:r>
             <a:r>
               <a:rPr lang="en-US" dirty="0"/>
-              <a:t>only </a:t>
+              <a:t>in the personal statistics and recommendations</a:t>
             </a:r>
             <a:r>
               <a:rPr lang="en-US" dirty="0" smtClean="0"/>
-              <a:t>Facebook or Gmail </a:t>
-            </a:r>
-            <a:r>
-              <a:rPr lang="en-US" dirty="0"/>
-              <a:t>users can sign-in. Facebook is dealing with spammers.</a:t>
+              <a:t>.</a:t>
             </a:r>
           </a:p>
           <a:p>
@@ -4876,14 +4924,7 @@
               <a:buFont typeface="Arial" panose="020B0604020202020204" pitchFamily="34" charset="0"/>
               <a:buChar char="•"/>
             </a:pPr>
-            <a:r>
-              <a:rPr lang="en-US" dirty="0" smtClean="0"/>
-              <a:t>Incentive: interest </a:t>
-            </a:r>
-            <a:r>
-              <a:rPr lang="en-US" dirty="0"/>
-              <a:t>in the personal statistics and recommendations.</a:t>
-            </a:r>
+            <a:endParaRPr lang="en-US" dirty="0"/>
           </a:p>
           <a:p>
             <a:pPr marL="285750" indent="-285750">
@@ -4900,7 +4941,11 @@
             </a:r>
             <a:r>
               <a:rPr lang="en-US" dirty="0"/>
-              <a:t>the Knesset web site.</a:t>
+              <a:t>the Knesset web site</a:t>
+            </a:r>
+            <a:r>
+              <a:rPr lang="en-US" dirty="0" smtClean="0"/>
+              <a:t>.</a:t>
             </a:r>
           </a:p>
           <a:p>
@@ -4908,14 +4953,68 @@
               <a:buFont typeface="Arial" panose="020B0604020202020204" pitchFamily="34" charset="0"/>
               <a:buChar char="•"/>
             </a:pPr>
+            <a:endParaRPr lang="en-US" dirty="0"/>
+          </a:p>
+          <a:p>
+            <a:pPr marL="285750" indent="-285750">
+              <a:buFont typeface="Arial" panose="020B0604020202020204" pitchFamily="34" charset="0"/>
+              <a:buChar char="•"/>
+            </a:pPr>
             <a:r>
               <a:rPr lang="en-US" dirty="0" smtClean="0"/>
-              <a:t>Reliability: Unfortunately </a:t>
+              <a:t>Reliability</a:t>
+            </a:r>
+            <a:r>
+              <a:rPr lang="en-US" dirty="0" smtClean="0"/>
+              <a:t>: </a:t>
+            </a:r>
+            <a:r>
+              <a:rPr lang="en-US" dirty="0" smtClean="0"/>
+              <a:t>unfortunately </a:t>
             </a:r>
             <a:r>
               <a:rPr lang="en-US" dirty="0"/>
-              <a:t>we can't assure the user don't just make a mess – this is our indulgent assumption.  </a:t>
-            </a:r>
+              <a:t>we can't assure the user </a:t>
+            </a:r>
+            <a:r>
+              <a:rPr lang="en-US" dirty="0" smtClean="0"/>
+              <a:t>will not “</a:t>
+            </a:r>
+            <a:r>
+              <a:rPr lang="en-US" dirty="0" smtClean="0"/>
+              <a:t>make </a:t>
+            </a:r>
+            <a:r>
+              <a:rPr lang="en-US" dirty="0"/>
+              <a:t>a </a:t>
+            </a:r>
+            <a:r>
+              <a:rPr lang="en-US" dirty="0" smtClean="0"/>
+              <a:t>mess” and write spam. </a:t>
+            </a:r>
+            <a:r>
+              <a:rPr lang="en-US" dirty="0"/>
+              <a:t>  </a:t>
+            </a:r>
+            <a:endParaRPr lang="en-US" dirty="0" smtClean="0"/>
+          </a:p>
+          <a:p>
+            <a:pPr marL="285750" indent="-285750">
+              <a:buFont typeface="Arial" panose="020B0604020202020204" pitchFamily="34" charset="0"/>
+              <a:buChar char="•"/>
+            </a:pPr>
+            <a:endParaRPr lang="en-US" dirty="0"/>
+          </a:p>
+          <a:p>
+            <a:pPr marL="285750" indent="-285750">
+              <a:buFont typeface="Arial" panose="020B0604020202020204" pitchFamily="34" charset="0"/>
+              <a:buChar char="•"/>
+            </a:pPr>
+            <a:r>
+              <a:rPr lang="en-US" dirty="0" smtClean="0"/>
+              <a:t>Indulgent assumption: we assume the user use the web as it should be used.</a:t>
+            </a:r>
+            <a:endParaRPr lang="en-US" dirty="0"/>
           </a:p>
           <a:p>
             <a:pPr lvl="3"/>
@@ -5030,9 +5129,763 @@
   <p:timing>
     <p:tnLst>
       <p:par>
-        <p:cTn id="1" dur="indefinite" restart="never" nodeType="tmRoot"/>
+        <p:cTn id="1" dur="indefinite" restart="never" nodeType="tmRoot">
+          <p:childTnLst>
+            <p:seq concurrent="1" nextAc="seek">
+              <p:cTn id="2" dur="indefinite" nodeType="mainSeq">
+                <p:childTnLst>
+                  <p:par>
+                    <p:cTn id="3" fill="hold">
+                      <p:stCondLst>
+                        <p:cond delay="indefinite"/>
+                      </p:stCondLst>
+                      <p:childTnLst>
+                        <p:par>
+                          <p:cTn id="4" fill="hold">
+                            <p:stCondLst>
+                              <p:cond delay="0"/>
+                            </p:stCondLst>
+                            <p:childTnLst>
+                              <p:par>
+                                <p:cTn id="5" presetID="2" presetClass="entr" presetSubtype="4" fill="hold" nodeType="clickEffect">
+                                  <p:stCondLst>
+                                    <p:cond delay="0"/>
+                                  </p:stCondLst>
+                                  <p:childTnLst>
+                                    <p:set>
+                                      <p:cBhvr>
+                                        <p:cTn id="6" dur="1" fill="hold">
+                                          <p:stCondLst>
+                                            <p:cond delay="0"/>
+                                          </p:stCondLst>
+                                        </p:cTn>
+                                        <p:tgtEl>
+                                          <p:spTgt spid="5">
+                                            <p:txEl>
+                                              <p:pRg st="1" end="1"/>
+                                            </p:txEl>
+                                          </p:spTgt>
+                                        </p:tgtEl>
+                                        <p:attrNameLst>
+                                          <p:attrName>style.visibility</p:attrName>
+                                        </p:attrNameLst>
+                                      </p:cBhvr>
+                                      <p:to>
+                                        <p:strVal val="visible"/>
+                                      </p:to>
+                                    </p:set>
+                                    <p:anim calcmode="lin" valueType="num">
+                                      <p:cBhvr additive="base">
+                                        <p:cTn id="7" dur="500" fill="hold"/>
+                                        <p:tgtEl>
+                                          <p:spTgt spid="5">
+                                            <p:txEl>
+                                              <p:pRg st="1" end="1"/>
+                                            </p:txEl>
+                                          </p:spTgt>
+                                        </p:tgtEl>
+                                        <p:attrNameLst>
+                                          <p:attrName>ppt_x</p:attrName>
+                                        </p:attrNameLst>
+                                      </p:cBhvr>
+                                      <p:tavLst>
+                                        <p:tav tm="0">
+                                          <p:val>
+                                            <p:strVal val="#ppt_x"/>
+                                          </p:val>
+                                        </p:tav>
+                                        <p:tav tm="100000">
+                                          <p:val>
+                                            <p:strVal val="#ppt_x"/>
+                                          </p:val>
+                                        </p:tav>
+                                      </p:tavLst>
+                                    </p:anim>
+                                    <p:anim calcmode="lin" valueType="num">
+                                      <p:cBhvr additive="base">
+                                        <p:cTn id="8" dur="500" fill="hold"/>
+                                        <p:tgtEl>
+                                          <p:spTgt spid="5">
+                                            <p:txEl>
+                                              <p:pRg st="1" end="1"/>
+                                            </p:txEl>
+                                          </p:spTgt>
+                                        </p:tgtEl>
+                                        <p:attrNameLst>
+                                          <p:attrName>ppt_y</p:attrName>
+                                        </p:attrNameLst>
+                                      </p:cBhvr>
+                                      <p:tavLst>
+                                        <p:tav tm="0">
+                                          <p:val>
+                                            <p:strVal val="1+#ppt_h/2"/>
+                                          </p:val>
+                                        </p:tav>
+                                        <p:tav tm="100000">
+                                          <p:val>
+                                            <p:strVal val="#ppt_y"/>
+                                          </p:val>
+                                        </p:tav>
+                                      </p:tavLst>
+                                    </p:anim>
+                                  </p:childTnLst>
+                                </p:cTn>
+                              </p:par>
+                              <p:par>
+                                <p:cTn id="9" presetID="2" presetClass="entr" presetSubtype="4" fill="hold" nodeType="withEffect">
+                                  <p:stCondLst>
+                                    <p:cond delay="0"/>
+                                  </p:stCondLst>
+                                  <p:childTnLst>
+                                    <p:set>
+                                      <p:cBhvr>
+                                        <p:cTn id="10" dur="1" fill="hold">
+                                          <p:stCondLst>
+                                            <p:cond delay="0"/>
+                                          </p:stCondLst>
+                                        </p:cTn>
+                                        <p:tgtEl>
+                                          <p:spTgt spid="5">
+                                            <p:txEl>
+                                              <p:pRg st="2" end="2"/>
+                                            </p:txEl>
+                                          </p:spTgt>
+                                        </p:tgtEl>
+                                        <p:attrNameLst>
+                                          <p:attrName>style.visibility</p:attrName>
+                                        </p:attrNameLst>
+                                      </p:cBhvr>
+                                      <p:to>
+                                        <p:strVal val="visible"/>
+                                      </p:to>
+                                    </p:set>
+                                    <p:anim calcmode="lin" valueType="num">
+                                      <p:cBhvr additive="base">
+                                        <p:cTn id="11" dur="500" fill="hold"/>
+                                        <p:tgtEl>
+                                          <p:spTgt spid="5">
+                                            <p:txEl>
+                                              <p:pRg st="2" end="2"/>
+                                            </p:txEl>
+                                          </p:spTgt>
+                                        </p:tgtEl>
+                                        <p:attrNameLst>
+                                          <p:attrName>ppt_x</p:attrName>
+                                        </p:attrNameLst>
+                                      </p:cBhvr>
+                                      <p:tavLst>
+                                        <p:tav tm="0">
+                                          <p:val>
+                                            <p:strVal val="#ppt_x"/>
+                                          </p:val>
+                                        </p:tav>
+                                        <p:tav tm="100000">
+                                          <p:val>
+                                            <p:strVal val="#ppt_x"/>
+                                          </p:val>
+                                        </p:tav>
+                                      </p:tavLst>
+                                    </p:anim>
+                                    <p:anim calcmode="lin" valueType="num">
+                                      <p:cBhvr additive="base">
+                                        <p:cTn id="12" dur="500" fill="hold"/>
+                                        <p:tgtEl>
+                                          <p:spTgt spid="5">
+                                            <p:txEl>
+                                              <p:pRg st="2" end="2"/>
+                                            </p:txEl>
+                                          </p:spTgt>
+                                        </p:tgtEl>
+                                        <p:attrNameLst>
+                                          <p:attrName>ppt_y</p:attrName>
+                                        </p:attrNameLst>
+                                      </p:cBhvr>
+                                      <p:tavLst>
+                                        <p:tav tm="0">
+                                          <p:val>
+                                            <p:strVal val="1+#ppt_h/2"/>
+                                          </p:val>
+                                        </p:tav>
+                                        <p:tav tm="100000">
+                                          <p:val>
+                                            <p:strVal val="#ppt_y"/>
+                                          </p:val>
+                                        </p:tav>
+                                      </p:tavLst>
+                                    </p:anim>
+                                  </p:childTnLst>
+                                </p:cTn>
+                              </p:par>
+                              <p:par>
+                                <p:cTn id="13" presetID="2" presetClass="entr" presetSubtype="4" fill="hold" nodeType="withEffect">
+                                  <p:stCondLst>
+                                    <p:cond delay="0"/>
+                                  </p:stCondLst>
+                                  <p:childTnLst>
+                                    <p:set>
+                                      <p:cBhvr>
+                                        <p:cTn id="14" dur="1" fill="hold">
+                                          <p:stCondLst>
+                                            <p:cond delay="0"/>
+                                          </p:stCondLst>
+                                        </p:cTn>
+                                        <p:tgtEl>
+                                          <p:spTgt spid="5">
+                                            <p:txEl>
+                                              <p:pRg st="4" end="4"/>
+                                            </p:txEl>
+                                          </p:spTgt>
+                                        </p:tgtEl>
+                                        <p:attrNameLst>
+                                          <p:attrName>style.visibility</p:attrName>
+                                        </p:attrNameLst>
+                                      </p:cBhvr>
+                                      <p:to>
+                                        <p:strVal val="visible"/>
+                                      </p:to>
+                                    </p:set>
+                                    <p:anim calcmode="lin" valueType="num">
+                                      <p:cBhvr additive="base">
+                                        <p:cTn id="15" dur="500" fill="hold"/>
+                                        <p:tgtEl>
+                                          <p:spTgt spid="5">
+                                            <p:txEl>
+                                              <p:pRg st="4" end="4"/>
+                                            </p:txEl>
+                                          </p:spTgt>
+                                        </p:tgtEl>
+                                        <p:attrNameLst>
+                                          <p:attrName>ppt_x</p:attrName>
+                                        </p:attrNameLst>
+                                      </p:cBhvr>
+                                      <p:tavLst>
+                                        <p:tav tm="0">
+                                          <p:val>
+                                            <p:strVal val="#ppt_x"/>
+                                          </p:val>
+                                        </p:tav>
+                                        <p:tav tm="100000">
+                                          <p:val>
+                                            <p:strVal val="#ppt_x"/>
+                                          </p:val>
+                                        </p:tav>
+                                      </p:tavLst>
+                                    </p:anim>
+                                    <p:anim calcmode="lin" valueType="num">
+                                      <p:cBhvr additive="base">
+                                        <p:cTn id="16" dur="500" fill="hold"/>
+                                        <p:tgtEl>
+                                          <p:spTgt spid="5">
+                                            <p:txEl>
+                                              <p:pRg st="4" end="4"/>
+                                            </p:txEl>
+                                          </p:spTgt>
+                                        </p:tgtEl>
+                                        <p:attrNameLst>
+                                          <p:attrName>ppt_y</p:attrName>
+                                        </p:attrNameLst>
+                                      </p:cBhvr>
+                                      <p:tavLst>
+                                        <p:tav tm="0">
+                                          <p:val>
+                                            <p:strVal val="1+#ppt_h/2"/>
+                                          </p:val>
+                                        </p:tav>
+                                        <p:tav tm="100000">
+                                          <p:val>
+                                            <p:strVal val="#ppt_y"/>
+                                          </p:val>
+                                        </p:tav>
+                                      </p:tavLst>
+                                    </p:anim>
+                                  </p:childTnLst>
+                                </p:cTn>
+                              </p:par>
+                              <p:par>
+                                <p:cTn id="17" presetID="2" presetClass="entr" presetSubtype="4" fill="hold" nodeType="withEffect">
+                                  <p:stCondLst>
+                                    <p:cond delay="0"/>
+                                  </p:stCondLst>
+                                  <p:childTnLst>
+                                    <p:set>
+                                      <p:cBhvr>
+                                        <p:cTn id="18" dur="1" fill="hold">
+                                          <p:stCondLst>
+                                            <p:cond delay="0"/>
+                                          </p:stCondLst>
+                                        </p:cTn>
+                                        <p:tgtEl>
+                                          <p:spTgt spid="5">
+                                            <p:txEl>
+                                              <p:pRg st="6" end="6"/>
+                                            </p:txEl>
+                                          </p:spTgt>
+                                        </p:tgtEl>
+                                        <p:attrNameLst>
+                                          <p:attrName>style.visibility</p:attrName>
+                                        </p:attrNameLst>
+                                      </p:cBhvr>
+                                      <p:to>
+                                        <p:strVal val="visible"/>
+                                      </p:to>
+                                    </p:set>
+                                    <p:anim calcmode="lin" valueType="num">
+                                      <p:cBhvr additive="base">
+                                        <p:cTn id="19" dur="500" fill="hold"/>
+                                        <p:tgtEl>
+                                          <p:spTgt spid="5">
+                                            <p:txEl>
+                                              <p:pRg st="6" end="6"/>
+                                            </p:txEl>
+                                          </p:spTgt>
+                                        </p:tgtEl>
+                                        <p:attrNameLst>
+                                          <p:attrName>ppt_x</p:attrName>
+                                        </p:attrNameLst>
+                                      </p:cBhvr>
+                                      <p:tavLst>
+                                        <p:tav tm="0">
+                                          <p:val>
+                                            <p:strVal val="#ppt_x"/>
+                                          </p:val>
+                                        </p:tav>
+                                        <p:tav tm="100000">
+                                          <p:val>
+                                            <p:strVal val="#ppt_x"/>
+                                          </p:val>
+                                        </p:tav>
+                                      </p:tavLst>
+                                    </p:anim>
+                                    <p:anim calcmode="lin" valueType="num">
+                                      <p:cBhvr additive="base">
+                                        <p:cTn id="20" dur="500" fill="hold"/>
+                                        <p:tgtEl>
+                                          <p:spTgt spid="5">
+                                            <p:txEl>
+                                              <p:pRg st="6" end="6"/>
+                                            </p:txEl>
+                                          </p:spTgt>
+                                        </p:tgtEl>
+                                        <p:attrNameLst>
+                                          <p:attrName>ppt_y</p:attrName>
+                                        </p:attrNameLst>
+                                      </p:cBhvr>
+                                      <p:tavLst>
+                                        <p:tav tm="0">
+                                          <p:val>
+                                            <p:strVal val="1+#ppt_h/2"/>
+                                          </p:val>
+                                        </p:tav>
+                                        <p:tav tm="100000">
+                                          <p:val>
+                                            <p:strVal val="#ppt_y"/>
+                                          </p:val>
+                                        </p:tav>
+                                      </p:tavLst>
+                                    </p:anim>
+                                  </p:childTnLst>
+                                </p:cTn>
+                              </p:par>
+                              <p:par>
+                                <p:cTn id="21" presetID="2" presetClass="entr" presetSubtype="4" fill="hold" nodeType="withEffect">
+                                  <p:stCondLst>
+                                    <p:cond delay="0"/>
+                                  </p:stCondLst>
+                                  <p:childTnLst>
+                                    <p:set>
+                                      <p:cBhvr>
+                                        <p:cTn id="22" dur="1" fill="hold">
+                                          <p:stCondLst>
+                                            <p:cond delay="0"/>
+                                          </p:stCondLst>
+                                        </p:cTn>
+                                        <p:tgtEl>
+                                          <p:spTgt spid="5">
+                                            <p:txEl>
+                                              <p:pRg st="8" end="8"/>
+                                            </p:txEl>
+                                          </p:spTgt>
+                                        </p:tgtEl>
+                                        <p:attrNameLst>
+                                          <p:attrName>style.visibility</p:attrName>
+                                        </p:attrNameLst>
+                                      </p:cBhvr>
+                                      <p:to>
+                                        <p:strVal val="visible"/>
+                                      </p:to>
+                                    </p:set>
+                                    <p:anim calcmode="lin" valueType="num">
+                                      <p:cBhvr additive="base">
+                                        <p:cTn id="23" dur="500" fill="hold"/>
+                                        <p:tgtEl>
+                                          <p:spTgt spid="5">
+                                            <p:txEl>
+                                              <p:pRg st="8" end="8"/>
+                                            </p:txEl>
+                                          </p:spTgt>
+                                        </p:tgtEl>
+                                        <p:attrNameLst>
+                                          <p:attrName>ppt_x</p:attrName>
+                                        </p:attrNameLst>
+                                      </p:cBhvr>
+                                      <p:tavLst>
+                                        <p:tav tm="0">
+                                          <p:val>
+                                            <p:strVal val="#ppt_x"/>
+                                          </p:val>
+                                        </p:tav>
+                                        <p:tav tm="100000">
+                                          <p:val>
+                                            <p:strVal val="#ppt_x"/>
+                                          </p:val>
+                                        </p:tav>
+                                      </p:tavLst>
+                                    </p:anim>
+                                    <p:anim calcmode="lin" valueType="num">
+                                      <p:cBhvr additive="base">
+                                        <p:cTn id="24" dur="500" fill="hold"/>
+                                        <p:tgtEl>
+                                          <p:spTgt spid="5">
+                                            <p:txEl>
+                                              <p:pRg st="8" end="8"/>
+                                            </p:txEl>
+                                          </p:spTgt>
+                                        </p:tgtEl>
+                                        <p:attrNameLst>
+                                          <p:attrName>ppt_y</p:attrName>
+                                        </p:attrNameLst>
+                                      </p:cBhvr>
+                                      <p:tavLst>
+                                        <p:tav tm="0">
+                                          <p:val>
+                                            <p:strVal val="1+#ppt_h/2"/>
+                                          </p:val>
+                                        </p:tav>
+                                        <p:tav tm="100000">
+                                          <p:val>
+                                            <p:strVal val="#ppt_y"/>
+                                          </p:val>
+                                        </p:tav>
+                                      </p:tavLst>
+                                    </p:anim>
+                                  </p:childTnLst>
+                                </p:cTn>
+                              </p:par>
+                              <p:par>
+                                <p:cTn id="25" presetID="2" presetClass="entr" presetSubtype="4" fill="hold" nodeType="withEffect">
+                                  <p:stCondLst>
+                                    <p:cond delay="0"/>
+                                  </p:stCondLst>
+                                  <p:childTnLst>
+                                    <p:set>
+                                      <p:cBhvr>
+                                        <p:cTn id="26" dur="1" fill="hold">
+                                          <p:stCondLst>
+                                            <p:cond delay="0"/>
+                                          </p:stCondLst>
+                                        </p:cTn>
+                                        <p:tgtEl>
+                                          <p:spTgt spid="5">
+                                            <p:txEl>
+                                              <p:pRg st="10" end="10"/>
+                                            </p:txEl>
+                                          </p:spTgt>
+                                        </p:tgtEl>
+                                        <p:attrNameLst>
+                                          <p:attrName>style.visibility</p:attrName>
+                                        </p:attrNameLst>
+                                      </p:cBhvr>
+                                      <p:to>
+                                        <p:strVal val="visible"/>
+                                      </p:to>
+                                    </p:set>
+                                    <p:anim calcmode="lin" valueType="num">
+                                      <p:cBhvr additive="base">
+                                        <p:cTn id="27" dur="500" fill="hold"/>
+                                        <p:tgtEl>
+                                          <p:spTgt spid="5">
+                                            <p:txEl>
+                                              <p:pRg st="10" end="10"/>
+                                            </p:txEl>
+                                          </p:spTgt>
+                                        </p:tgtEl>
+                                        <p:attrNameLst>
+                                          <p:attrName>ppt_x</p:attrName>
+                                        </p:attrNameLst>
+                                      </p:cBhvr>
+                                      <p:tavLst>
+                                        <p:tav tm="0">
+                                          <p:val>
+                                            <p:strVal val="#ppt_x"/>
+                                          </p:val>
+                                        </p:tav>
+                                        <p:tav tm="100000">
+                                          <p:val>
+                                            <p:strVal val="#ppt_x"/>
+                                          </p:val>
+                                        </p:tav>
+                                      </p:tavLst>
+                                    </p:anim>
+                                    <p:anim calcmode="lin" valueType="num">
+                                      <p:cBhvr additive="base">
+                                        <p:cTn id="28" dur="500" fill="hold"/>
+                                        <p:tgtEl>
+                                          <p:spTgt spid="5">
+                                            <p:txEl>
+                                              <p:pRg st="10" end="10"/>
+                                            </p:txEl>
+                                          </p:spTgt>
+                                        </p:tgtEl>
+                                        <p:attrNameLst>
+                                          <p:attrName>ppt_y</p:attrName>
+                                        </p:attrNameLst>
+                                      </p:cBhvr>
+                                      <p:tavLst>
+                                        <p:tav tm="0">
+                                          <p:val>
+                                            <p:strVal val="1+#ppt_h/2"/>
+                                          </p:val>
+                                        </p:tav>
+                                        <p:tav tm="100000">
+                                          <p:val>
+                                            <p:strVal val="#ppt_y"/>
+                                          </p:val>
+                                        </p:tav>
+                                      </p:tavLst>
+                                    </p:anim>
+                                  </p:childTnLst>
+                                </p:cTn>
+                              </p:par>
+                            </p:childTnLst>
+                          </p:cTn>
+                        </p:par>
+                      </p:childTnLst>
+                    </p:cTn>
+                  </p:par>
+                </p:childTnLst>
+              </p:cTn>
+              <p:prevCondLst>
+                <p:cond evt="onPrev" delay="0">
+                  <p:tgtEl>
+                    <p:sldTgt/>
+                  </p:tgtEl>
+                </p:cond>
+              </p:prevCondLst>
+              <p:nextCondLst>
+                <p:cond evt="onNext" delay="0">
+                  <p:tgtEl>
+                    <p:sldTgt/>
+                  </p:tgtEl>
+                </p:cond>
+              </p:nextCondLst>
+            </p:seq>
+          </p:childTnLst>
+        </p:cTn>
       </p:par>
     </p:tnLst>
+  </p:timing>
+</p:sld>
+</file>
+
+<file path=ppt/slides/slide13.xml><?xml version="1.0" encoding="utf-8"?>
+<p:sld xmlns:a="http://schemas.openxmlformats.org/drawingml/2006/main" xmlns:r="http://schemas.openxmlformats.org/officeDocument/2006/relationships" xmlns:p="http://schemas.openxmlformats.org/presentationml/2006/main">
+  <p:cSld>
+    <p:spTree>
+      <p:nvGrpSpPr>
+        <p:cNvPr id="1" name=""/>
+        <p:cNvGrpSpPr/>
+        <p:nvPr/>
+      </p:nvGrpSpPr>
+      <p:grpSpPr>
+        <a:xfrm>
+          <a:off x="0" y="0"/>
+          <a:ext cx="0" cy="0"/>
+          <a:chOff x="0" y="0"/>
+          <a:chExt cx="0" cy="0"/>
+        </a:xfrm>
+      </p:grpSpPr>
+      <p:sp>
+        <p:nvSpPr>
+          <p:cNvPr id="3" name="Rectangle 2"/>
+          <p:cNvSpPr/>
+          <p:nvPr/>
+        </p:nvSpPr>
+        <p:spPr>
+          <a:xfrm rot="20321659">
+            <a:off x="438912" y="2455608"/>
+            <a:ext cx="11439144" cy="1323439"/>
+          </a:xfrm>
+          <a:prstGeom prst="rect">
+            <a:avLst/>
+          </a:prstGeom>
+        </p:spPr>
+        <p:txBody>
+          <a:bodyPr wrap="square">
+            <a:spAutoFit/>
+          </a:bodyPr>
+          <a:lstStyle/>
+          <a:p>
+            <a:r>
+              <a:rPr lang="en-US" sz="4800" b="1" dirty="0">
+                <a:solidFill>
+                  <a:schemeClr val="accent6">
+                    <a:lumMod val="75000"/>
+                  </a:schemeClr>
+                </a:solidFill>
+              </a:rPr>
+              <a:t>"The ballot is stronger than the bullet"</a:t>
+            </a:r>
+            <a:r>
+              <a:rPr lang="en-US" sz="4800" b="1" dirty="0">
+                <a:solidFill>
+                  <a:schemeClr val="accent6">
+                    <a:lumMod val="75000"/>
+                  </a:schemeClr>
+                </a:solidFill>
+                <a:latin typeface="+mj-ea"/>
+                <a:cs typeface="+mj-ea"/>
+              </a:rPr>
+              <a:t/>
+            </a:r>
+            <a:br>
+              <a:rPr lang="en-US" sz="4800" b="1" dirty="0">
+                <a:solidFill>
+                  <a:schemeClr val="accent6">
+                    <a:lumMod val="75000"/>
+                  </a:schemeClr>
+                </a:solidFill>
+                <a:latin typeface="+mj-ea"/>
+                <a:cs typeface="+mj-ea"/>
+              </a:rPr>
+            </a:br>
+            <a:r>
+              <a:rPr lang="en-US" sz="2800" b="1" dirty="0">
+                <a:solidFill>
+                  <a:schemeClr val="accent6">
+                    <a:lumMod val="75000"/>
+                  </a:schemeClr>
+                </a:solidFill>
+              </a:rPr>
+              <a:t>Abraham Lincol</a:t>
+            </a:r>
+            <a:r>
+              <a:rPr lang="en-US" sz="3200" b="1" dirty="0">
+                <a:solidFill>
+                  <a:schemeClr val="accent6">
+                    <a:lumMod val="75000"/>
+                  </a:schemeClr>
+                </a:solidFill>
+              </a:rPr>
+              <a:t>n</a:t>
+            </a:r>
+            <a:endParaRPr lang="he-IL" sz="4800" b="1" dirty="0">
+              <a:solidFill>
+                <a:schemeClr val="accent6">
+                  <a:lumMod val="75000"/>
+                </a:schemeClr>
+              </a:solidFill>
+            </a:endParaRPr>
+          </a:p>
+        </p:txBody>
+      </p:sp>
+    </p:spTree>
+    <p:extLst>
+      <p:ext uri="{BB962C8B-B14F-4D97-AF65-F5344CB8AC3E}">
+        <p14:creationId xmlns:p14="http://schemas.microsoft.com/office/powerpoint/2010/main" val="2254507729"/>
+      </p:ext>
+    </p:extLst>
+  </p:cSld>
+  <p:clrMapOvr>
+    <a:masterClrMapping/>
+  </p:clrMapOvr>
+  <p:transition spd="slow">
+    <p:push dir="u"/>
+  </p:transition>
+  <p:timing>
+    <p:tnLst>
+      <p:par>
+        <p:cTn id="1" dur="indefinite" restart="never" nodeType="tmRoot">
+          <p:childTnLst>
+            <p:seq concurrent="1" nextAc="seek">
+              <p:cTn id="2" dur="indefinite" nodeType="mainSeq">
+                <p:childTnLst>
+                  <p:par>
+                    <p:cTn id="3" fill="hold">
+                      <p:stCondLst>
+                        <p:cond delay="indefinite"/>
+                      </p:stCondLst>
+                      <p:childTnLst>
+                        <p:par>
+                          <p:cTn id="4" fill="hold">
+                            <p:stCondLst>
+                              <p:cond delay="0"/>
+                            </p:stCondLst>
+                            <p:childTnLst>
+                              <p:par>
+                                <p:cTn id="5" presetID="14" presetClass="entr" presetSubtype="10" fill="hold" grpId="0" nodeType="clickEffect">
+                                  <p:stCondLst>
+                                    <p:cond delay="0"/>
+                                  </p:stCondLst>
+                                  <p:childTnLst>
+                                    <p:set>
+                                      <p:cBhvr>
+                                        <p:cTn id="6" dur="1" fill="hold">
+                                          <p:stCondLst>
+                                            <p:cond delay="0"/>
+                                          </p:stCondLst>
+                                        </p:cTn>
+                                        <p:tgtEl>
+                                          <p:spTgt spid="3"/>
+                                        </p:tgtEl>
+                                        <p:attrNameLst>
+                                          <p:attrName>style.visibility</p:attrName>
+                                        </p:attrNameLst>
+                                      </p:cBhvr>
+                                      <p:to>
+                                        <p:strVal val="visible"/>
+                                      </p:to>
+                                    </p:set>
+                                    <p:animEffect transition="in" filter="randombar(horizontal)">
+                                      <p:cBhvr>
+                                        <p:cTn id="7" dur="500"/>
+                                        <p:tgtEl>
+                                          <p:spTgt spid="3"/>
+                                        </p:tgtEl>
+                                      </p:cBhvr>
+                                    </p:animEffect>
+                                  </p:childTnLst>
+                                </p:cTn>
+                              </p:par>
+                            </p:childTnLst>
+                          </p:cTn>
+                        </p:par>
+                      </p:childTnLst>
+                    </p:cTn>
+                  </p:par>
+                </p:childTnLst>
+              </p:cTn>
+              <p:prevCondLst>
+                <p:cond evt="onPrev" delay="0">
+                  <p:tgtEl>
+                    <p:sldTgt/>
+                  </p:tgtEl>
+                </p:cond>
+              </p:prevCondLst>
+              <p:nextCondLst>
+                <p:cond evt="onNext" delay="0">
+                  <p:tgtEl>
+                    <p:sldTgt/>
+                  </p:tgtEl>
+                </p:cond>
+              </p:nextCondLst>
+            </p:seq>
+          </p:childTnLst>
+        </p:cTn>
+      </p:par>
+    </p:tnLst>
+    <p:bldLst>
+      <p:bldP spid="3" grpId="0"/>
+    </p:bldLst>
   </p:timing>
 </p:sld>
 </file>
@@ -7375,16 +8228,7 @@
                 </a:solidFill>
                 <a:latin typeface="inherit"/>
               </a:rPr>
-              <a:t> </a:t>
-            </a:r>
-            <a:r>
-              <a:rPr lang="he-IL" altLang="he-IL" dirty="0" smtClean="0">
-                <a:solidFill>
-                  <a:srgbClr val="212121"/>
-                </a:solidFill>
-                <a:latin typeface="inherit"/>
-              </a:rPr>
-              <a:t>application</a:t>
+              <a:t> application</a:t>
             </a:r>
             <a:r>
               <a:rPr lang="en-US" altLang="he-IL" dirty="0" smtClean="0">
@@ -7416,12 +8260,6 @@
               </a:rPr>
               <a:t>.</a:t>
             </a:r>
-            <a:endParaRPr lang="en-US" altLang="he-IL" dirty="0" smtClean="0">
-              <a:solidFill>
-                <a:srgbClr val="212121"/>
-              </a:solidFill>
-              <a:latin typeface="inherit"/>
-            </a:endParaRPr>
           </a:p>
           <a:p>
             <a:pPr marL="800100" lvl="1" indent="-342900">
@@ -7462,15 +8300,7 @@
             </a:r>
             <a:r>
               <a:rPr lang="en-US" dirty="0" smtClean="0"/>
-              <a:t>notify about new </a:t>
-            </a:r>
-            <a:r>
-              <a:rPr lang="en-US" dirty="0" smtClean="0"/>
-              <a:t>laws </a:t>
-            </a:r>
-            <a:r>
-              <a:rPr lang="en-US" dirty="0" smtClean="0"/>
-              <a:t>that was voted in the </a:t>
+              <a:t>notify about new laws that was voted in the </a:t>
             </a:r>
             <a:r>
               <a:rPr lang="en-US" dirty="0" err="1" smtClean="0"/>
@@ -7485,23 +8315,7 @@
             </a:pPr>
             <a:r>
               <a:rPr lang="en-US" altLang="he-IL" dirty="0" smtClean="0"/>
-              <a:t>User notify about </a:t>
-            </a:r>
-            <a:r>
-              <a:rPr lang="en-US" altLang="he-IL" dirty="0" smtClean="0"/>
-              <a:t>status </a:t>
-            </a:r>
-            <a:r>
-              <a:rPr lang="en-US" altLang="he-IL" dirty="0" smtClean="0"/>
-              <a:t>changes in an existing </a:t>
-            </a:r>
-            <a:r>
-              <a:rPr lang="en-US" altLang="he-IL" dirty="0" smtClean="0"/>
-              <a:t>laws</a:t>
-            </a:r>
-            <a:r>
-              <a:rPr lang="en-US" altLang="he-IL" dirty="0" smtClean="0"/>
-              <a:t>. </a:t>
+              <a:t>User notify about status changes in an existing laws. </a:t>
             </a:r>
           </a:p>
           <a:p>
@@ -7595,15 +8409,7 @@
             </a:pPr>
             <a:r>
               <a:rPr lang="en-US" dirty="0" smtClean="0"/>
-              <a:t>User can mark a </a:t>
-            </a:r>
-            <a:r>
-              <a:rPr lang="en-US" dirty="0" smtClean="0"/>
-              <a:t>law </a:t>
-            </a:r>
-            <a:r>
-              <a:rPr lang="en-US" dirty="0" smtClean="0"/>
-              <a:t>as “like” or “dislike”.</a:t>
+              <a:t>User can mark a law as “like” or “dislike”.</a:t>
             </a:r>
           </a:p>
           <a:p>
@@ -9660,7 +10466,7 @@
         <p:spPr>
           <a:xfrm>
             <a:off x="683078" y="1611699"/>
-            <a:ext cx="10825843" cy="1538883"/>
+            <a:ext cx="10825843" cy="4862870"/>
           </a:xfrm>
           <a:prstGeom prst="rect">
             <a:avLst/>
@@ -9675,16 +10481,61 @@
           <a:p>
             <a:r>
               <a:rPr lang="en-US" b="1" dirty="0" smtClean="0"/>
-              <a:t>The app will use </a:t>
-            </a:r>
-            <a:endParaRPr lang="en-US" sz="2400" b="1" dirty="0"/>
-          </a:p>
-          <a:p>
-            <a:pPr marL="800100" lvl="1" indent="-342900">
-              <a:buFont typeface="Arial" panose="020B0604020202020204" pitchFamily="34" charset="0"/>
-              <a:buChar char="•"/>
-            </a:pPr>
+              <a:t>We will use the power of the crowd in order to show the people how much each party represents it’s constituents. Since each user would vote for/against laws being passed, we will show statistics  averaged across all users demonstrating how much each party’s law proposals and votes reflects/does not reflect the opinions of it’s constituents.</a:t>
+            </a:r>
+          </a:p>
+          <a:p>
             <a:endParaRPr lang="en-US" sz="2800" b="1" dirty="0" smtClean="0"/>
+          </a:p>
+          <a:p>
+            <a:r>
+              <a:rPr lang="en-US" b="1" dirty="0" smtClean="0"/>
+              <a:t>The document describing the law is long and hard to read, so the app would present the users with a </a:t>
+            </a:r>
+            <a:r>
+              <a:rPr lang="en-US" b="1" dirty="0" smtClean="0"/>
+              <a:t>summary of the laws. By default this summary is also scraped from the web, but we will add an option for users to offer their own summary, and rate other user’s summary. Highly rated summaries would be presented alongside the default summaries.</a:t>
+            </a:r>
+          </a:p>
+          <a:p>
+            <a:endParaRPr lang="en-US" b="1" dirty="0"/>
+          </a:p>
+          <a:p>
+            <a:r>
+              <a:rPr lang="en-US" b="1" dirty="0" smtClean="0"/>
+              <a:t>In terms of motivation to use the app</a:t>
+            </a:r>
+            <a:r>
+              <a:rPr lang="en-US" b="1" dirty="0" smtClean="0"/>
+              <a:t>, the current political climate in Israel is just right.</a:t>
+            </a:r>
+          </a:p>
+          <a:p>
+            <a:r>
+              <a:rPr lang="en-US" b="1" dirty="0" smtClean="0"/>
+              <a:t>People feel that their government is not serving their interests, and what is more </a:t>
+            </a:r>
+            <a:r>
+              <a:rPr lang="en-US" b="1" dirty="0" smtClean="0"/>
+              <a:t>Israeli</a:t>
+            </a:r>
+            <a:r>
+              <a:rPr lang="en-US" b="1" dirty="0" smtClean="0"/>
+              <a:t> than the need to not let anyone </a:t>
+            </a:r>
+            <a:r>
+              <a:rPr lang="en-US" b="1" dirty="0" smtClean="0"/>
+              <a:t>fool </a:t>
+            </a:r>
+            <a:r>
+              <a:rPr lang="en-US" b="1" dirty="0" smtClean="0"/>
+              <a:t>you. </a:t>
+            </a:r>
+            <a:r>
+              <a:rPr lang="en-US" b="1" dirty="0" smtClean="0"/>
+              <a:t>Our app will show for each user how much the party he voted for serves his interests, and also show him the party which best serves it’s interests.</a:t>
+            </a:r>
+            <a:endParaRPr lang="en-US" b="1" dirty="0" smtClean="0"/>
           </a:p>
           <a:p>
             <a:pPr lvl="1"/>
@@ -9983,13 +10834,8 @@
           <a:p>
             <a:r>
               <a:rPr lang="en-US" sz="2400" b="1" dirty="0" smtClean="0"/>
-              <a:t>Team Members</a:t>
-            </a:r>
-            <a:r>
-              <a:rPr lang="en-US" sz="2400" b="1" dirty="0" smtClean="0"/>
-              <a:t>:</a:t>
-            </a:r>
-            <a:endParaRPr lang="en-US" sz="2400" b="1" dirty="0" smtClean="0"/>
+              <a:t>Team Members:</a:t>
+            </a:r>
           </a:p>
           <a:p>
             <a:pPr marL="742950" lvl="1" indent="-285750">
@@ -11114,7 +11960,7 @@
         <p:spPr>
           <a:xfrm>
             <a:off x="683078" y="1050758"/>
-            <a:ext cx="10825843" cy="5693866"/>
+            <a:ext cx="10825843" cy="6063198"/>
           </a:xfrm>
           <a:prstGeom prst="rect">
             <a:avLst/>
@@ -11131,11 +11977,82 @@
             <a:endParaRPr lang="en-US" dirty="0" smtClean="0"/>
           </a:p>
           <a:p>
+            <a:r>
+              <a:rPr lang="en-US" sz="2400" b="1" dirty="0" smtClean="0"/>
+              <a:t>Division </a:t>
+            </a:r>
+            <a:r>
+              <a:rPr lang="en-US" sz="2400" b="1" dirty="0"/>
+              <a:t>of labor</a:t>
+            </a:r>
+            <a:r>
+              <a:rPr lang="en-US" sz="2400" b="1" dirty="0" smtClean="0"/>
+              <a:t> </a:t>
+            </a:r>
+            <a:r>
+              <a:rPr lang="en-US" sz="2400" b="1" dirty="0"/>
+              <a:t>and </a:t>
+            </a:r>
+            <a:r>
+              <a:rPr lang="en-US" sz="2400" b="1" dirty="0"/>
+              <a:t>t</a:t>
+            </a:r>
+            <a:r>
+              <a:rPr lang="en-US" sz="2400" b="1" dirty="0"/>
+              <a:t>echnologies:</a:t>
+            </a:r>
+            <a:endParaRPr lang="en-US" sz="2400" b="1" dirty="0"/>
+          </a:p>
+          <a:p>
+            <a:endParaRPr lang="en-US" dirty="0"/>
+          </a:p>
+          <a:p>
+            <a:pPr marL="285750" indent="-285750">
+              <a:buFont typeface="Arial" panose="020B0604020202020204" pitchFamily="34" charset="0"/>
+              <a:buChar char="•"/>
+            </a:pPr>
+            <a:r>
+              <a:rPr lang="en-US" b="1" dirty="0" err="1" smtClean="0"/>
+              <a:t>Eilon</a:t>
+            </a:r>
+            <a:r>
+              <a:rPr lang="en-US" b="1" dirty="0" smtClean="0"/>
+              <a:t> </a:t>
+            </a:r>
+            <a:r>
+              <a:rPr lang="en-US" b="1" dirty="0" err="1" smtClean="0"/>
+              <a:t>Weinfeld</a:t>
+            </a:r>
+            <a:r>
+              <a:rPr lang="en-US" b="1" dirty="0" smtClean="0"/>
+              <a:t> + </a:t>
+            </a:r>
+            <a:r>
+              <a:rPr lang="en-US" b="1" dirty="0" err="1"/>
+              <a:t>Idan</a:t>
+            </a:r>
+            <a:r>
+              <a:rPr lang="en-US" b="1" dirty="0"/>
+              <a:t> </a:t>
+            </a:r>
+            <a:r>
+              <a:rPr lang="en-US" b="1" dirty="0" err="1" smtClean="0"/>
+              <a:t>Tavor</a:t>
+            </a:r>
+            <a:r>
+              <a:rPr lang="en-US" b="1" dirty="0" smtClean="0"/>
+              <a:t>: </a:t>
+            </a:r>
+          </a:p>
+          <a:p>
             <a:pPr marL="742950" lvl="1" indent="-285750">
               <a:buFont typeface="Arial" panose="020B0604020202020204" pitchFamily="34" charset="0"/>
               <a:buChar char="•"/>
             </a:pPr>
-            <a:endParaRPr lang="en-US" dirty="0"/>
+            <a:r>
+              <a:rPr lang="en-US" dirty="0" smtClean="0"/>
+              <a:t>Scraping the data from the Knesset website</a:t>
+            </a:r>
           </a:p>
           <a:p>
             <a:pPr marL="742950" lvl="1" indent="-285750">
@@ -11143,54 +12060,6 @@
               <a:buChar char="•"/>
             </a:pPr>
             <a:r>
-              <a:rPr lang="en-US" b="1" dirty="0" err="1" smtClean="0"/>
-              <a:t>Eilon</a:t>
-            </a:r>
-            <a:r>
-              <a:rPr lang="en-US" b="1" dirty="0" smtClean="0"/>
-              <a:t> </a:t>
-            </a:r>
-            <a:r>
-              <a:rPr lang="en-US" b="1" dirty="0" err="1" smtClean="0"/>
-              <a:t>Weinfeld</a:t>
-            </a:r>
-            <a:r>
-              <a:rPr lang="en-US" b="1" dirty="0" smtClean="0"/>
-              <a:t> + </a:t>
-            </a:r>
-            <a:r>
-              <a:rPr lang="en-US" b="1" dirty="0" err="1"/>
-              <a:t>Idan</a:t>
-            </a:r>
-            <a:r>
-              <a:rPr lang="en-US" b="1" dirty="0"/>
-              <a:t> </a:t>
-            </a:r>
-            <a:r>
-              <a:rPr lang="en-US" b="1" dirty="0" err="1" smtClean="0"/>
-              <a:t>Tavor</a:t>
-            </a:r>
-            <a:r>
-              <a:rPr lang="en-US" b="1" dirty="0" smtClean="0"/>
-              <a:t>: </a:t>
-            </a:r>
-          </a:p>
-          <a:p>
-            <a:pPr marL="1200150" lvl="2" indent="-285750">
-              <a:buFont typeface="Arial" panose="020B0604020202020204" pitchFamily="34" charset="0"/>
-              <a:buChar char="•"/>
-            </a:pPr>
-            <a:r>
-              <a:rPr lang="en-US" dirty="0" smtClean="0"/>
-              <a:t>Scraping the data from the Knesset website</a:t>
-            </a:r>
-          </a:p>
-          <a:p>
-            <a:pPr marL="1200150" lvl="2" indent="-285750">
-              <a:buFont typeface="Arial" panose="020B0604020202020204" pitchFamily="34" charset="0"/>
-              <a:buChar char="•"/>
-            </a:pPr>
-            <a:r>
               <a:rPr lang="en-US" dirty="0" smtClean="0"/>
               <a:t>Extracting relevant text from different file types using apache </a:t>
             </a:r>
@@ -11202,32 +12071,42 @@
               <a:rPr lang="en-US" dirty="0" smtClean="0"/>
               <a:t>.</a:t>
             </a:r>
-          </a:p>
-          <a:p>
-            <a:pPr marL="1200150" lvl="2" indent="-285750">
-              <a:buFont typeface="Arial" panose="020B0604020202020204" pitchFamily="34" charset="0"/>
-              <a:buChar char="•"/>
-            </a:pPr>
-            <a:r>
-              <a:rPr lang="en-US" dirty="0" smtClean="0"/>
-              <a:t>Set up a relational </a:t>
-            </a:r>
-            <a:r>
-              <a:rPr lang="en-US" dirty="0" err="1" smtClean="0"/>
-              <a:t>db</a:t>
-            </a:r>
-            <a:r>
-              <a:rPr lang="en-US" dirty="0" smtClean="0"/>
-              <a:t> – neo4j and Insert the data to it.</a:t>
-            </a:r>
-            <a:endParaRPr lang="en-US" dirty="0"/>
           </a:p>
           <a:p>
             <a:pPr marL="742950" lvl="1" indent="-285750">
               <a:buFont typeface="Arial" panose="020B0604020202020204" pitchFamily="34" charset="0"/>
               <a:buChar char="•"/>
             </a:pPr>
+            <a:r>
+              <a:rPr lang="en-US" dirty="0" smtClean="0"/>
+              <a:t>Set up a relational </a:t>
+            </a:r>
+            <a:r>
+              <a:rPr lang="en-US" dirty="0" err="1" smtClean="0"/>
+              <a:t>db</a:t>
+            </a:r>
+            <a:r>
+              <a:rPr lang="en-US" dirty="0" smtClean="0"/>
+              <a:t> – neo4j and Insert the data to it.</a:t>
+            </a:r>
+            <a:endParaRPr lang="en-US" dirty="0"/>
+          </a:p>
+          <a:p>
+            <a:pPr marL="285750" indent="-285750">
+              <a:buFont typeface="Arial" panose="020B0604020202020204" pitchFamily="34" charset="0"/>
+              <a:buChar char="•"/>
+            </a:pPr>
             <a:endParaRPr lang="en-US" dirty="0" smtClean="0"/>
+          </a:p>
+          <a:p>
+            <a:pPr marL="285750" indent="-285750">
+              <a:buFont typeface="Arial" panose="020B0604020202020204" pitchFamily="34" charset="0"/>
+              <a:buChar char="•"/>
+            </a:pPr>
+            <a:r>
+              <a:rPr lang="en-US" b="1" dirty="0" smtClean="0"/>
+              <a:t>Inbar Moskovich: </a:t>
+            </a:r>
           </a:p>
           <a:p>
             <a:pPr marL="742950" lvl="1" indent="-285750">
@@ -11235,33 +12114,9 @@
               <a:buChar char="•"/>
             </a:pPr>
             <a:r>
-              <a:rPr lang="en-US" b="1" dirty="0" smtClean="0"/>
-              <a:t>Inbar Moskovich: </a:t>
-            </a:r>
-          </a:p>
-          <a:p>
-            <a:pPr marL="1200150" lvl="2" indent="-285750">
-              <a:buFont typeface="Arial" panose="020B0604020202020204" pitchFamily="34" charset="0"/>
-              <a:buChar char="•"/>
-            </a:pPr>
-            <a:r>
               <a:rPr lang="en-US" dirty="0" smtClean="0"/>
               <a:t>Frontend using Firebase which is a mobile development platform by google.</a:t>
             </a:r>
-          </a:p>
-          <a:p>
-            <a:pPr marL="1200150" lvl="2" indent="-285750">
-              <a:buFont typeface="Arial" panose="020B0604020202020204" pitchFamily="34" charset="0"/>
-              <a:buChar char="•"/>
-            </a:pPr>
-            <a:r>
-              <a:rPr lang="en-US" dirty="0" smtClean="0"/>
-              <a:t>Building application that communicate the backend, and manage the user anonymous log in, using android studio.</a:t>
-            </a:r>
-          </a:p>
-          <a:p>
-            <a:pPr lvl="1"/>
-            <a:endParaRPr lang="en-US" dirty="0" smtClean="0"/>
           </a:p>
           <a:p>
             <a:pPr marL="742950" lvl="1" indent="-285750">
@@ -11269,39 +12124,52 @@
               <a:buChar char="•"/>
             </a:pPr>
             <a:r>
-              <a:rPr lang="en-US" b="1" dirty="0" err="1" smtClean="0"/>
-              <a:t>Ofer</a:t>
-            </a:r>
-            <a:r>
-              <a:rPr lang="en-US" b="1" dirty="0" smtClean="0"/>
-              <a:t> Handel + </a:t>
-            </a:r>
-            <a:r>
-              <a:rPr lang="en-US" b="1" dirty="0"/>
-              <a:t>Ram </a:t>
-            </a:r>
-            <a:r>
-              <a:rPr lang="en-US" b="1" dirty="0" smtClean="0"/>
-              <a:t>Hillel: </a:t>
-            </a:r>
-          </a:p>
-          <a:p>
-            <a:pPr marL="1200150" lvl="2" indent="-285750">
+              <a:rPr lang="en-US" dirty="0" smtClean="0"/>
+              <a:t>Building application that communicate the backend, and manage the user anonymous log in, using android studio.</a:t>
+            </a:r>
+          </a:p>
+          <a:p>
+            <a:endParaRPr lang="en-US" dirty="0" smtClean="0"/>
+          </a:p>
+          <a:p>
+            <a:pPr marL="285750" indent="-285750">
               <a:buFont typeface="Arial" panose="020B0604020202020204" pitchFamily="34" charset="0"/>
               <a:buChar char="•"/>
             </a:pPr>
             <a:r>
-              <a:rPr lang="en-US" dirty="0" smtClean="0"/>
-              <a:t>Backend using Flask which is python framework that suits REST API.</a:t>
-            </a:r>
-          </a:p>
-          <a:p>
-            <a:pPr marL="1200150" lvl="2" indent="-285750">
+              <a:rPr lang="en-US" b="1" dirty="0" err="1" smtClean="0"/>
+              <a:t>Ofer</a:t>
+            </a:r>
+            <a:r>
+              <a:rPr lang="en-US" b="1" dirty="0" smtClean="0"/>
+              <a:t> Handel + </a:t>
+            </a:r>
+            <a:r>
+              <a:rPr lang="en-US" b="1" dirty="0"/>
+              <a:t>Ram </a:t>
+            </a:r>
+            <a:r>
+              <a:rPr lang="en-US" b="1" dirty="0" smtClean="0"/>
+              <a:t>Hillel: </a:t>
+            </a:r>
+          </a:p>
+          <a:p>
+            <a:pPr marL="742950" lvl="1" indent="-285750">
               <a:buFont typeface="Arial" panose="020B0604020202020204" pitchFamily="34" charset="0"/>
               <a:buChar char="•"/>
             </a:pPr>
             <a:r>
               <a:rPr lang="en-US" dirty="0" smtClean="0"/>
+              <a:t>Backend using Flask which is python framework that suits REST API.</a:t>
+            </a:r>
+          </a:p>
+          <a:p>
+            <a:pPr marL="742950" lvl="1" indent="-285750">
+              <a:buFont typeface="Arial" panose="020B0604020202020204" pitchFamily="34" charset="0"/>
+              <a:buChar char="•"/>
+            </a:pPr>
+            <a:r>
+              <a:rPr lang="en-US" dirty="0" smtClean="0"/>
               <a:t>The backend pass to and from the frontend </a:t>
             </a:r>
             <a:r>
@@ -11314,7 +12182,7 @@
             </a:r>
           </a:p>
           <a:p>
-            <a:pPr marL="1200150" lvl="2" indent="-285750">
+            <a:pPr marL="742950" lvl="1" indent="-285750">
               <a:buFont typeface="Arial" panose="020B0604020202020204" pitchFamily="34" charset="0"/>
               <a:buChar char="•"/>
             </a:pPr>
@@ -11477,7 +12345,7 @@
                                         <p:tgtEl>
                                           <p:spTgt spid="5">
                                             <p:txEl>
-                                              <p:pRg st="2" end="2"/>
+                                              <p:pRg st="3" end="3"/>
                                             </p:txEl>
                                           </p:spTgt>
                                         </p:tgtEl>
@@ -11495,7 +12363,7 @@
                                         <p:tgtEl>
                                           <p:spTgt spid="5">
                                             <p:txEl>
-                                              <p:pRg st="2" end="2"/>
+                                              <p:pRg st="3" end="3"/>
                                             </p:txEl>
                                           </p:spTgt>
                                         </p:tgtEl>
@@ -11522,7 +12390,110 @@
                                         <p:tgtEl>
                                           <p:spTgt spid="5">
                                             <p:txEl>
-                                              <p:pRg st="2" end="2"/>
+                                              <p:pRg st="3" end="3"/>
+                                            </p:txEl>
+                                          </p:spTgt>
+                                        </p:tgtEl>
+                                        <p:attrNameLst>
+                                          <p:attrName>ppt_y</p:attrName>
+                                        </p:attrNameLst>
+                                      </p:cBhvr>
+                                      <p:tavLst>
+                                        <p:tav tm="0">
+                                          <p:val>
+                                            <p:strVal val="1+#ppt_h/2"/>
+                                          </p:val>
+                                        </p:tav>
+                                        <p:tav tm="100000">
+                                          <p:val>
+                                            <p:strVal val="#ppt_y"/>
+                                          </p:val>
+                                        </p:tav>
+                                      </p:tavLst>
+                                    </p:anim>
+                                  </p:childTnLst>
+                                </p:cTn>
+                              </p:par>
+                            </p:childTnLst>
+                          </p:cTn>
+                        </p:par>
+                      </p:childTnLst>
+                    </p:cTn>
+                  </p:par>
+                  <p:par>
+                    <p:cTn id="9" fill="hold">
+                      <p:stCondLst>
+                        <p:cond delay="indefinite"/>
+                      </p:stCondLst>
+                      <p:childTnLst>
+                        <p:par>
+                          <p:cTn id="10" fill="hold">
+                            <p:stCondLst>
+                              <p:cond delay="0"/>
+                            </p:stCondLst>
+                            <p:childTnLst>
+                              <p:par>
+                                <p:cTn id="11" presetID="2" presetClass="entr" presetSubtype="4" fill="hold" nodeType="clickEffect">
+                                  <p:stCondLst>
+                                    <p:cond delay="0"/>
+                                  </p:stCondLst>
+                                  <p:childTnLst>
+                                    <p:set>
+                                      <p:cBhvr>
+                                        <p:cTn id="12" dur="1" fill="hold">
+                                          <p:stCondLst>
+                                            <p:cond delay="0"/>
+                                          </p:stCondLst>
+                                        </p:cTn>
+                                        <p:tgtEl>
+                                          <p:spTgt spid="5">
+                                            <p:txEl>
+                                              <p:pRg st="1" end="1"/>
+                                            </p:txEl>
+                                          </p:spTgt>
+                                        </p:tgtEl>
+                                        <p:attrNameLst>
+                                          <p:attrName>style.visibility</p:attrName>
+                                        </p:attrNameLst>
+                                      </p:cBhvr>
+                                      <p:to>
+                                        <p:strVal val="visible"/>
+                                      </p:to>
+                                    </p:set>
+                                    <p:anim calcmode="lin" valueType="num">
+                                      <p:cBhvr additive="base">
+                                        <p:cTn id="13" dur="500" fill="hold"/>
+                                        <p:tgtEl>
+                                          <p:spTgt spid="5">
+                                            <p:txEl>
+                                              <p:pRg st="1" end="1"/>
+                                            </p:txEl>
+                                          </p:spTgt>
+                                        </p:tgtEl>
+                                        <p:attrNameLst>
+                                          <p:attrName>ppt_x</p:attrName>
+                                        </p:attrNameLst>
+                                      </p:cBhvr>
+                                      <p:tavLst>
+                                        <p:tav tm="0">
+                                          <p:val>
+                                            <p:strVal val="#ppt_x"/>
+                                          </p:val>
+                                        </p:tav>
+                                        <p:tav tm="100000">
+                                          <p:val>
+                                            <p:strVal val="#ppt_x"/>
+                                          </p:val>
+                                        </p:tav>
+                                      </p:tavLst>
+                                    </p:anim>
+                                    <p:anim calcmode="lin" valueType="num">
+                                      <p:cBhvr additive="base">
+                                        <p:cTn id="14" dur="500" fill="hold"/>
+                                        <p:tgtEl>
+                                          <p:spTgt spid="5">
+                                            <p:txEl>
+                                              <p:pRg st="1" end="1"/>
                                             </p:txEl>
                                           </p:spTgt>
                                         </p:tgtEl>
@@ -11547,14 +12518,14 @@
                                 </p:cTn>
                               </p:par>
                               <p:par>
-                                <p:cTn id="9" presetID="2" presetClass="entr" presetSubtype="4" fill="hold" nodeType="withEffect">
+                                <p:cTn id="15" presetID="2" presetClass="entr" presetSubtype="4" fill="hold" nodeType="withEffect">
                                   <p:stCondLst>
                                     <p:cond delay="0"/>
                                   </p:stCondLst>
                                   <p:childTnLst>
                                     <p:set>
                                       <p:cBhvr>
-                                        <p:cTn id="10" dur="1" fill="hold">
+                                        <p:cTn id="16" dur="1" fill="hold">
                                           <p:stCondLst>
                                             <p:cond delay="0"/>
                                           </p:stCondLst>
@@ -11562,7 +12533,7 @@
                                         <p:tgtEl>
                                           <p:spTgt spid="5">
                                             <p:txEl>
-                                              <p:pRg st="3" end="3"/>
+                                              <p:pRg st="4" end="4"/>
                                             </p:txEl>
                                           </p:spTgt>
                                         </p:tgtEl>
@@ -11576,11 +12547,11 @@
                                     </p:set>
                                     <p:anim calcmode="lin" valueType="num">
                                       <p:cBhvr additive="base">
-                                        <p:cTn id="11" dur="500" fill="hold"/>
-                                        <p:tgtEl>
-                                          <p:spTgt spid="5">
-                                            <p:txEl>
-                                              <p:pRg st="3" end="3"/>
+                                        <p:cTn id="17" dur="500" fill="hold"/>
+                                        <p:tgtEl>
+                                          <p:spTgt spid="5">
+                                            <p:txEl>
+                                              <p:pRg st="4" end="4"/>
                                             </p:txEl>
                                           </p:spTgt>
                                         </p:tgtEl>
@@ -11603,11 +12574,11 @@
                                     </p:anim>
                                     <p:anim calcmode="lin" valueType="num">
                                       <p:cBhvr additive="base">
-                                        <p:cTn id="12" dur="500" fill="hold"/>
-                                        <p:tgtEl>
-                                          <p:spTgt spid="5">
-                                            <p:txEl>
-                                              <p:pRg st="3" end="3"/>
+                                        <p:cTn id="18" dur="500" fill="hold"/>
+                                        <p:tgtEl>
+                                          <p:spTgt spid="5">
+                                            <p:txEl>
+                                              <p:pRg st="4" end="4"/>
                                             </p:txEl>
                                           </p:spTgt>
                                         </p:tgtEl>
@@ -11632,14 +12603,14 @@
                                 </p:cTn>
                               </p:par>
                               <p:par>
-                                <p:cTn id="13" presetID="2" presetClass="entr" presetSubtype="4" fill="hold" nodeType="withEffect">
+                                <p:cTn id="19" presetID="2" presetClass="entr" presetSubtype="4" fill="hold" nodeType="withEffect">
                                   <p:stCondLst>
                                     <p:cond delay="0"/>
                                   </p:stCondLst>
                                   <p:childTnLst>
                                     <p:set>
                                       <p:cBhvr>
-                                        <p:cTn id="14" dur="1" fill="hold">
+                                        <p:cTn id="20" dur="1" fill="hold">
                                           <p:stCondLst>
                                             <p:cond delay="0"/>
                                           </p:stCondLst>
@@ -11647,7 +12618,7 @@
                                         <p:tgtEl>
                                           <p:spTgt spid="5">
                                             <p:txEl>
-                                              <p:pRg st="4" end="4"/>
+                                              <p:pRg st="5" end="5"/>
                                             </p:txEl>
                                           </p:spTgt>
                                         </p:tgtEl>
@@ -11661,11 +12632,11 @@
                                     </p:set>
                                     <p:anim calcmode="lin" valueType="num">
                                       <p:cBhvr additive="base">
-                                        <p:cTn id="15" dur="500" fill="hold"/>
-                                        <p:tgtEl>
-                                          <p:spTgt spid="5">
-                                            <p:txEl>
-                                              <p:pRg st="4" end="4"/>
+                                        <p:cTn id="21" dur="500" fill="hold"/>
+                                        <p:tgtEl>
+                                          <p:spTgt spid="5">
+                                            <p:txEl>
+                                              <p:pRg st="5" end="5"/>
                                             </p:txEl>
                                           </p:spTgt>
                                         </p:tgtEl>
@@ -11688,11 +12659,11 @@
                                     </p:anim>
                                     <p:anim calcmode="lin" valueType="num">
                                       <p:cBhvr additive="base">
-                                        <p:cTn id="16" dur="500" fill="hold"/>
-                                        <p:tgtEl>
-                                          <p:spTgt spid="5">
-                                            <p:txEl>
-                                              <p:pRg st="4" end="4"/>
+                                        <p:cTn id="22" dur="500" fill="hold"/>
+                                        <p:tgtEl>
+                                          <p:spTgt spid="5">
+                                            <p:txEl>
+                                              <p:pRg st="5" end="5"/>
                                             </p:txEl>
                                           </p:spTgt>
                                         </p:tgtEl>
@@ -11717,14 +12688,14 @@
                                 </p:cTn>
                               </p:par>
                               <p:par>
-                                <p:cTn id="17" presetID="2" presetClass="entr" presetSubtype="4" fill="hold" nodeType="withEffect">
+                                <p:cTn id="23" presetID="2" presetClass="entr" presetSubtype="4" fill="hold" nodeType="withEffect">
                                   <p:stCondLst>
                                     <p:cond delay="0"/>
                                   </p:stCondLst>
                                   <p:childTnLst>
                                     <p:set>
                                       <p:cBhvr>
-                                        <p:cTn id="18" dur="1" fill="hold">
+                                        <p:cTn id="24" dur="1" fill="hold">
                                           <p:stCondLst>
                                             <p:cond delay="0"/>
                                           </p:stCondLst>
@@ -11732,7 +12703,7 @@
                                         <p:tgtEl>
                                           <p:spTgt spid="5">
                                             <p:txEl>
-                                              <p:pRg st="5" end="5"/>
+                                              <p:pRg st="6" end="6"/>
                                             </p:txEl>
                                           </p:spTgt>
                                         </p:tgtEl>
@@ -11746,11 +12717,11 @@
                                     </p:set>
                                     <p:anim calcmode="lin" valueType="num">
                                       <p:cBhvr additive="base">
-                                        <p:cTn id="19" dur="500" fill="hold"/>
-                                        <p:tgtEl>
-                                          <p:spTgt spid="5">
-                                            <p:txEl>
-                                              <p:pRg st="5" end="5"/>
+                                        <p:cTn id="25" dur="500" fill="hold"/>
+                                        <p:tgtEl>
+                                          <p:spTgt spid="5">
+                                            <p:txEl>
+                                              <p:pRg st="6" end="6"/>
                                             </p:txEl>
                                           </p:spTgt>
                                         </p:tgtEl>
@@ -11773,11 +12744,11 @@
                                     </p:anim>
                                     <p:anim calcmode="lin" valueType="num">
                                       <p:cBhvr additive="base">
-                                        <p:cTn id="20" dur="500" fill="hold"/>
-                                        <p:tgtEl>
-                                          <p:spTgt spid="5">
-                                            <p:txEl>
-                                              <p:pRg st="5" end="5"/>
+                                        <p:cTn id="26" dur="500" fill="hold"/>
+                                        <p:tgtEl>
+                                          <p:spTgt spid="5">
+                                            <p:txEl>
+                                              <p:pRg st="6" end="6"/>
                                             </p:txEl>
                                           </p:spTgt>
                                         </p:tgtEl>
@@ -11802,14 +12773,14 @@
                                 </p:cTn>
                               </p:par>
                               <p:par>
-                                <p:cTn id="21" presetID="2" presetClass="entr" presetSubtype="4" fill="hold" nodeType="withEffect">
+                                <p:cTn id="27" presetID="2" presetClass="entr" presetSubtype="4" fill="hold" nodeType="withEffect">
                                   <p:stCondLst>
                                     <p:cond delay="0"/>
                                   </p:stCondLst>
                                   <p:childTnLst>
                                     <p:set>
                                       <p:cBhvr>
-                                        <p:cTn id="22" dur="1" fill="hold">
+                                        <p:cTn id="28" dur="1" fill="hold">
                                           <p:stCondLst>
                                             <p:cond delay="0"/>
                                           </p:stCondLst>
@@ -11817,7 +12788,7 @@
                                         <p:tgtEl>
                                           <p:spTgt spid="5">
                                             <p:txEl>
-                                              <p:pRg st="7" end="7"/>
+                                              <p:pRg st="8" end="8"/>
                                             </p:txEl>
                                           </p:spTgt>
                                         </p:tgtEl>
@@ -11831,11 +12802,11 @@
                                     </p:set>
                                     <p:anim calcmode="lin" valueType="num">
                                       <p:cBhvr additive="base">
-                                        <p:cTn id="23" dur="500" fill="hold"/>
-                                        <p:tgtEl>
-                                          <p:spTgt spid="5">
-                                            <p:txEl>
-                                              <p:pRg st="7" end="7"/>
+                                        <p:cTn id="29" dur="500" fill="hold"/>
+                                        <p:tgtEl>
+                                          <p:spTgt spid="5">
+                                            <p:txEl>
+                                              <p:pRg st="8" end="8"/>
                                             </p:txEl>
                                           </p:spTgt>
                                         </p:tgtEl>
@@ -11858,11 +12829,11 @@
                                     </p:anim>
                                     <p:anim calcmode="lin" valueType="num">
                                       <p:cBhvr additive="base">
-                                        <p:cTn id="24" dur="500" fill="hold"/>
-                                        <p:tgtEl>
-                                          <p:spTgt spid="5">
-                                            <p:txEl>
-                                              <p:pRg st="7" end="7"/>
+                                        <p:cTn id="30" dur="500" fill="hold"/>
+                                        <p:tgtEl>
+                                          <p:spTgt spid="5">
+                                            <p:txEl>
+                                              <p:pRg st="8" end="8"/>
                                             </p:txEl>
                                           </p:spTgt>
                                         </p:tgtEl>
@@ -11887,14 +12858,14 @@
                                 </p:cTn>
                               </p:par>
                               <p:par>
-                                <p:cTn id="25" presetID="2" presetClass="entr" presetSubtype="4" fill="hold" nodeType="withEffect">
+                                <p:cTn id="31" presetID="2" presetClass="entr" presetSubtype="4" fill="hold" nodeType="withEffect">
                                   <p:stCondLst>
                                     <p:cond delay="0"/>
                                   </p:stCondLst>
                                   <p:childTnLst>
                                     <p:set>
                                       <p:cBhvr>
-                                        <p:cTn id="26" dur="1" fill="hold">
+                                        <p:cTn id="32" dur="1" fill="hold">
                                           <p:stCondLst>
                                             <p:cond delay="0"/>
                                           </p:stCondLst>
@@ -11902,7 +12873,7 @@
                                         <p:tgtEl>
                                           <p:spTgt spid="5">
                                             <p:txEl>
-                                              <p:pRg st="8" end="8"/>
+                                              <p:pRg st="9" end="9"/>
                                             </p:txEl>
                                           </p:spTgt>
                                         </p:tgtEl>
@@ -11916,11 +12887,11 @@
                                     </p:set>
                                     <p:anim calcmode="lin" valueType="num">
                                       <p:cBhvr additive="base">
-                                        <p:cTn id="27" dur="500" fill="hold"/>
-                                        <p:tgtEl>
-                                          <p:spTgt spid="5">
-                                            <p:txEl>
-                                              <p:pRg st="8" end="8"/>
+                                        <p:cTn id="33" dur="500" fill="hold"/>
+                                        <p:tgtEl>
+                                          <p:spTgt spid="5">
+                                            <p:txEl>
+                                              <p:pRg st="9" end="9"/>
                                             </p:txEl>
                                           </p:spTgt>
                                         </p:tgtEl>
@@ -11943,11 +12914,11 @@
                                     </p:anim>
                                     <p:anim calcmode="lin" valueType="num">
                                       <p:cBhvr additive="base">
-                                        <p:cTn id="28" dur="500" fill="hold"/>
-                                        <p:tgtEl>
-                                          <p:spTgt spid="5">
-                                            <p:txEl>
-                                              <p:pRg st="8" end="8"/>
+                                        <p:cTn id="34" dur="500" fill="hold"/>
+                                        <p:tgtEl>
+                                          <p:spTgt spid="5">
+                                            <p:txEl>
+                                              <p:pRg st="9" end="9"/>
                                             </p:txEl>
                                           </p:spTgt>
                                         </p:tgtEl>
@@ -11972,14 +12943,14 @@
                                 </p:cTn>
                               </p:par>
                               <p:par>
-                                <p:cTn id="29" presetID="2" presetClass="entr" presetSubtype="4" fill="hold" nodeType="withEffect">
+                                <p:cTn id="35" presetID="2" presetClass="entr" presetSubtype="4" fill="hold" nodeType="withEffect">
                                   <p:stCondLst>
                                     <p:cond delay="0"/>
                                   </p:stCondLst>
                                   <p:childTnLst>
                                     <p:set>
                                       <p:cBhvr>
-                                        <p:cTn id="30" dur="1" fill="hold">
+                                        <p:cTn id="36" dur="1" fill="hold">
                                           <p:stCondLst>
                                             <p:cond delay="0"/>
                                           </p:stCondLst>
@@ -11987,7 +12958,7 @@
                                         <p:tgtEl>
                                           <p:spTgt spid="5">
                                             <p:txEl>
-                                              <p:pRg st="9" end="9"/>
+                                              <p:pRg st="10" end="10"/>
                                             </p:txEl>
                                           </p:spTgt>
                                         </p:tgtEl>
@@ -12001,11 +12972,11 @@
                                     </p:set>
                                     <p:anim calcmode="lin" valueType="num">
                                       <p:cBhvr additive="base">
-                                        <p:cTn id="31" dur="500" fill="hold"/>
-                                        <p:tgtEl>
-                                          <p:spTgt spid="5">
-                                            <p:txEl>
-                                              <p:pRg st="9" end="9"/>
+                                        <p:cTn id="37" dur="500" fill="hold"/>
+                                        <p:tgtEl>
+                                          <p:spTgt spid="5">
+                                            <p:txEl>
+                                              <p:pRg st="10" end="10"/>
                                             </p:txEl>
                                           </p:spTgt>
                                         </p:tgtEl>
@@ -12028,11 +12999,11 @@
                                     </p:anim>
                                     <p:anim calcmode="lin" valueType="num">
                                       <p:cBhvr additive="base">
-                                        <p:cTn id="32" dur="500" fill="hold"/>
-                                        <p:tgtEl>
-                                          <p:spTgt spid="5">
-                                            <p:txEl>
-                                              <p:pRg st="9" end="9"/>
+                                        <p:cTn id="38" dur="500" fill="hold"/>
+                                        <p:tgtEl>
+                                          <p:spTgt spid="5">
+                                            <p:txEl>
+                                              <p:pRg st="10" end="10"/>
                                             </p:txEl>
                                           </p:spTgt>
                                         </p:tgtEl>
@@ -12057,14 +13028,14 @@
                                 </p:cTn>
                               </p:par>
                               <p:par>
-                                <p:cTn id="33" presetID="2" presetClass="entr" presetSubtype="4" fill="hold" nodeType="withEffect">
+                                <p:cTn id="39" presetID="2" presetClass="entr" presetSubtype="4" fill="hold" nodeType="withEffect">
                                   <p:stCondLst>
                                     <p:cond delay="0"/>
                                   </p:stCondLst>
                                   <p:childTnLst>
                                     <p:set>
                                       <p:cBhvr>
-                                        <p:cTn id="34" dur="1" fill="hold">
+                                        <p:cTn id="40" dur="1" fill="hold">
                                           <p:stCondLst>
                                             <p:cond delay="0"/>
                                           </p:stCondLst>
@@ -12072,7 +13043,7 @@
                                         <p:tgtEl>
                                           <p:spTgt spid="5">
                                             <p:txEl>
-                                              <p:pRg st="11" end="11"/>
+                                              <p:pRg st="12" end="12"/>
                                             </p:txEl>
                                           </p:spTgt>
                                         </p:tgtEl>
@@ -12086,11 +13057,11 @@
                                     </p:set>
                                     <p:anim calcmode="lin" valueType="num">
                                       <p:cBhvr additive="base">
-                                        <p:cTn id="35" dur="500" fill="hold"/>
-                                        <p:tgtEl>
-                                          <p:spTgt spid="5">
-                                            <p:txEl>
-                                              <p:pRg st="11" end="11"/>
+                                        <p:cTn id="41" dur="500" fill="hold"/>
+                                        <p:tgtEl>
+                                          <p:spTgt spid="5">
+                                            <p:txEl>
+                                              <p:pRg st="12" end="12"/>
                                             </p:txEl>
                                           </p:spTgt>
                                         </p:tgtEl>
@@ -12113,11 +13084,11 @@
                                     </p:anim>
                                     <p:anim calcmode="lin" valueType="num">
                                       <p:cBhvr additive="base">
-                                        <p:cTn id="36" dur="500" fill="hold"/>
-                                        <p:tgtEl>
-                                          <p:spTgt spid="5">
-                                            <p:txEl>
-                                              <p:pRg st="11" end="11"/>
+                                        <p:cTn id="42" dur="500" fill="hold"/>
+                                        <p:tgtEl>
+                                          <p:spTgt spid="5">
+                                            <p:txEl>
+                                              <p:pRg st="12" end="12"/>
                                             </p:txEl>
                                           </p:spTgt>
                                         </p:tgtEl>
@@ -12142,14 +13113,14 @@
                                 </p:cTn>
                               </p:par>
                               <p:par>
-                                <p:cTn id="37" presetID="2" presetClass="entr" presetSubtype="4" fill="hold" nodeType="withEffect">
+                                <p:cTn id="43" presetID="2" presetClass="entr" presetSubtype="4" fill="hold" nodeType="withEffect">
                                   <p:stCondLst>
                                     <p:cond delay="0"/>
                                   </p:stCondLst>
                                   <p:childTnLst>
                                     <p:set>
                                       <p:cBhvr>
-                                        <p:cTn id="38" dur="1" fill="hold">
+                                        <p:cTn id="44" dur="1" fill="hold">
                                           <p:stCondLst>
                                             <p:cond delay="0"/>
                                           </p:stCondLst>
@@ -12157,7 +13128,7 @@
                                         <p:tgtEl>
                                           <p:spTgt spid="5">
                                             <p:txEl>
-                                              <p:pRg st="12" end="12"/>
+                                              <p:pRg st="13" end="13"/>
                                             </p:txEl>
                                           </p:spTgt>
                                         </p:tgtEl>
@@ -12171,11 +13142,11 @@
                                     </p:set>
                                     <p:anim calcmode="lin" valueType="num">
                                       <p:cBhvr additive="base">
-                                        <p:cTn id="39" dur="500" fill="hold"/>
-                                        <p:tgtEl>
-                                          <p:spTgt spid="5">
-                                            <p:txEl>
-                                              <p:pRg st="12" end="12"/>
+                                        <p:cTn id="45" dur="500" fill="hold"/>
+                                        <p:tgtEl>
+                                          <p:spTgt spid="5">
+                                            <p:txEl>
+                                              <p:pRg st="13" end="13"/>
                                             </p:txEl>
                                           </p:spTgt>
                                         </p:tgtEl>
@@ -12198,11 +13169,11 @@
                                     </p:anim>
                                     <p:anim calcmode="lin" valueType="num">
                                       <p:cBhvr additive="base">
-                                        <p:cTn id="40" dur="500" fill="hold"/>
-                                        <p:tgtEl>
-                                          <p:spTgt spid="5">
-                                            <p:txEl>
-                                              <p:pRg st="12" end="12"/>
+                                        <p:cTn id="46" dur="500" fill="hold"/>
+                                        <p:tgtEl>
+                                          <p:spTgt spid="5">
+                                            <p:txEl>
+                                              <p:pRg st="13" end="13"/>
                                             </p:txEl>
                                           </p:spTgt>
                                         </p:tgtEl>
@@ -12227,14 +13198,14 @@
                                 </p:cTn>
                               </p:par>
                               <p:par>
-                                <p:cTn id="41" presetID="2" presetClass="entr" presetSubtype="4" fill="hold" nodeType="withEffect">
+                                <p:cTn id="47" presetID="2" presetClass="entr" presetSubtype="4" fill="hold" nodeType="withEffect">
                                   <p:stCondLst>
                                     <p:cond delay="0"/>
                                   </p:stCondLst>
                                   <p:childTnLst>
                                     <p:set>
                                       <p:cBhvr>
-                                        <p:cTn id="42" dur="1" fill="hold">
+                                        <p:cTn id="48" dur="1" fill="hold">
                                           <p:stCondLst>
                                             <p:cond delay="0"/>
                                           </p:stCondLst>
@@ -12242,7 +13213,7 @@
                                         <p:tgtEl>
                                           <p:spTgt spid="5">
                                             <p:txEl>
-                                              <p:pRg st="13" end="13"/>
+                                              <p:pRg st="14" end="14"/>
                                             </p:txEl>
                                           </p:spTgt>
                                         </p:tgtEl>
@@ -12256,11 +13227,11 @@
                                     </p:set>
                                     <p:anim calcmode="lin" valueType="num">
                                       <p:cBhvr additive="base">
-                                        <p:cTn id="43" dur="500" fill="hold"/>
-                                        <p:tgtEl>
-                                          <p:spTgt spid="5">
-                                            <p:txEl>
-                                              <p:pRg st="13" end="13"/>
+                                        <p:cTn id="49" dur="500" fill="hold"/>
+                                        <p:tgtEl>
+                                          <p:spTgt spid="5">
+                                            <p:txEl>
+                                              <p:pRg st="14" end="14"/>
                                             </p:txEl>
                                           </p:spTgt>
                                         </p:tgtEl>
@@ -12283,11 +13254,11 @@
                                     </p:anim>
                                     <p:anim calcmode="lin" valueType="num">
                                       <p:cBhvr additive="base">
-                                        <p:cTn id="44" dur="500" fill="hold"/>
-                                        <p:tgtEl>
-                                          <p:spTgt spid="5">
-                                            <p:txEl>
-                                              <p:pRg st="13" end="13"/>
+                                        <p:cTn id="50" dur="500" fill="hold"/>
+                                        <p:tgtEl>
+                                          <p:spTgt spid="5">
+                                            <p:txEl>
+                                              <p:pRg st="14" end="14"/>
                                             </p:txEl>
                                           </p:spTgt>
                                         </p:tgtEl>
@@ -12312,14 +13283,14 @@
                                 </p:cTn>
                               </p:par>
                               <p:par>
-                                <p:cTn id="45" presetID="2" presetClass="entr" presetSubtype="4" fill="hold" nodeType="withEffect">
+                                <p:cTn id="51" presetID="2" presetClass="entr" presetSubtype="4" fill="hold" nodeType="withEffect">
                                   <p:stCondLst>
                                     <p:cond delay="0"/>
                                   </p:stCondLst>
                                   <p:childTnLst>
                                     <p:set>
                                       <p:cBhvr>
-                                        <p:cTn id="46" dur="1" fill="hold">
+                                        <p:cTn id="52" dur="1" fill="hold">
                                           <p:stCondLst>
                                             <p:cond delay="0"/>
                                           </p:stCondLst>
@@ -12327,7 +13298,7 @@
                                         <p:tgtEl>
                                           <p:spTgt spid="5">
                                             <p:txEl>
-                                              <p:pRg st="14" end="14"/>
+                                              <p:pRg st="15" end="15"/>
                                             </p:txEl>
                                           </p:spTgt>
                                         </p:tgtEl>
@@ -12341,11 +13312,11 @@
                                     </p:set>
                                     <p:anim calcmode="lin" valueType="num">
                                       <p:cBhvr additive="base">
-                                        <p:cTn id="47" dur="500" fill="hold"/>
-                                        <p:tgtEl>
-                                          <p:spTgt spid="5">
-                                            <p:txEl>
-                                              <p:pRg st="14" end="14"/>
+                                        <p:cTn id="53" dur="500" fill="hold"/>
+                                        <p:tgtEl>
+                                          <p:spTgt spid="5">
+                                            <p:txEl>
+                                              <p:pRg st="15" end="15"/>
                                             </p:txEl>
                                           </p:spTgt>
                                         </p:tgtEl>
@@ -12368,11 +13339,11 @@
                                     </p:anim>
                                     <p:anim calcmode="lin" valueType="num">
                                       <p:cBhvr additive="base">
-                                        <p:cTn id="48" dur="500" fill="hold"/>
-                                        <p:tgtEl>
-                                          <p:spTgt spid="5">
-                                            <p:txEl>
-                                              <p:pRg st="14" end="14"/>
+                                        <p:cTn id="54" dur="500" fill="hold"/>
+                                        <p:tgtEl>
+                                          <p:spTgt spid="5">
+                                            <p:txEl>
+                                              <p:pRg st="15" end="15"/>
                                             </p:txEl>
                                           </p:spTgt>
                                         </p:tgtEl>

--- a/CrowdPresentation.pptx
+++ b/CrowdPresentation.pptx
@@ -778,7 +778,7 @@
           <p:cNvPr id="5" name="Picture 4">
             <a:extLst>
               <a:ext uri="{FF2B5EF4-FFF2-40B4-BE49-F238E27FC236}">
-                <a16:creationId xmlns:a16="http://schemas.microsoft.com/office/drawing/2014/main" xmlns="" id="{BA73233B-0705-4E94-AE39-0FCF7FAB8040}"/>
+                <a16:creationId xmlns="" xmlns:a16="http://schemas.microsoft.com/office/drawing/2014/main" id="{BA73233B-0705-4E94-AE39-0FCF7FAB8040}"/>
               </a:ext>
             </a:extLst>
           </p:cNvPr>
@@ -838,7 +838,7 @@
             <a:hlinkClick r:id="rId3"/>
             <a:extLst>
               <a:ext uri="{FF2B5EF4-FFF2-40B4-BE49-F238E27FC236}">
-                <a16:creationId xmlns:a16="http://schemas.microsoft.com/office/drawing/2014/main" xmlns="" id="{011B0CED-3A92-43B0-A3DE-C37B6408D9DB}"/>
+                <a16:creationId xmlns="" xmlns:a16="http://schemas.microsoft.com/office/drawing/2014/main" id="{011B0CED-3A92-43B0-A3DE-C37B6408D9DB}"/>
               </a:ext>
             </a:extLst>
           </p:cNvPr>
@@ -917,7 +917,7 @@
           <p:cNvPr id="10" name="TextBox 9">
             <a:extLst>
               <a:ext uri="{FF2B5EF4-FFF2-40B4-BE49-F238E27FC236}">
-                <a16:creationId xmlns:a16="http://schemas.microsoft.com/office/drawing/2014/main" xmlns="" id="{0BEF3013-858C-4FFF-B19A-1F10A879C4E8}"/>
+                <a16:creationId xmlns="" xmlns:a16="http://schemas.microsoft.com/office/drawing/2014/main" id="{0BEF3013-858C-4FFF-B19A-1F10A879C4E8}"/>
               </a:ext>
             </a:extLst>
           </p:cNvPr>
@@ -1103,7 +1103,7 @@
           <p:cNvPr id="3" name="Title 2">
             <a:extLst>
               <a:ext uri="{FF2B5EF4-FFF2-40B4-BE49-F238E27FC236}">
-                <a16:creationId xmlns:a16="http://schemas.microsoft.com/office/drawing/2014/main" xmlns="" id="{1CEEE197-7B3D-420C-8D35-83CAE6B36171}"/>
+                <a16:creationId xmlns="" xmlns:a16="http://schemas.microsoft.com/office/drawing/2014/main" id="{1CEEE197-7B3D-420C-8D35-83CAE6B36171}"/>
               </a:ext>
             </a:extLst>
           </p:cNvPr>
@@ -1284,7 +1284,7 @@
           <p:cNvPr id="5" name="TextBox 4">
             <a:extLst>
               <a:ext uri="{FF2B5EF4-FFF2-40B4-BE49-F238E27FC236}">
-                <a16:creationId xmlns:a16="http://schemas.microsoft.com/office/drawing/2014/main" xmlns="" id="{FB34A05A-4AD6-4BC6-B6EA-314331190DB2}"/>
+                <a16:creationId xmlns="" xmlns:a16="http://schemas.microsoft.com/office/drawing/2014/main" id="{FB34A05A-4AD6-4BC6-B6EA-314331190DB2}"/>
               </a:ext>
             </a:extLst>
           </p:cNvPr>
@@ -4822,7 +4822,7 @@
         <p:spPr>
           <a:xfrm>
             <a:off x="683078" y="1050758"/>
-            <a:ext cx="10825843" cy="4770537"/>
+            <a:ext cx="10825843" cy="6155531"/>
           </a:xfrm>
           <a:prstGeom prst="rect">
             <a:avLst/>
@@ -4841,7 +4841,19 @@
           <a:p>
             <a:r>
               <a:rPr lang="he-IL" altLang="he-IL" sz="2400" b="1" dirty="0"/>
-              <a:t>Problems that you may encounter </a:t>
+              <a:t>Problems that you may </a:t>
+            </a:r>
+            <a:r>
+              <a:rPr lang="he-IL" altLang="he-IL" sz="2400" b="1" dirty="0" smtClean="0"/>
+              <a:t>encounter</a:t>
+            </a:r>
+            <a:r>
+              <a:rPr lang="en-US" altLang="he-IL" sz="2400" b="1" dirty="0" smtClean="0"/>
+              <a:t>:</a:t>
+            </a:r>
+            <a:r>
+              <a:rPr lang="he-IL" altLang="he-IL" sz="2400" b="1" dirty="0" smtClean="0"/>
+              <a:t> </a:t>
             </a:r>
             <a:r>
               <a:rPr lang="en-US" altLang="he-IL" sz="2400" b="1" dirty="0" smtClean="0"/>
@@ -4908,11 +4920,87 @@
             </a:pPr>
             <a:r>
               <a:rPr lang="en-US" dirty="0" smtClean="0"/>
-              <a:t>Incentive: interest </a:t>
+              <a:t>Incentive: </a:t>
+            </a:r>
+            <a:endParaRPr lang="en-US" dirty="0" smtClean="0"/>
+          </a:p>
+          <a:p>
+            <a:pPr marL="742950" lvl="1" indent="-285750">
+              <a:buFont typeface="Arial" panose="020B0604020202020204" pitchFamily="34" charset="0"/>
+              <a:buChar char="•"/>
+            </a:pPr>
+            <a:r>
+              <a:rPr lang="en-US" dirty="0" smtClean="0"/>
+              <a:t>Interest </a:t>
             </a:r>
             <a:r>
               <a:rPr lang="en-US" dirty="0"/>
-              <a:t>in the personal statistics and recommendations</a:t>
+              <a:t>in the personal statistics and </a:t>
+            </a:r>
+            <a:r>
+              <a:rPr lang="en-US" dirty="0" smtClean="0"/>
+              <a:t>recommendations.</a:t>
+            </a:r>
+          </a:p>
+          <a:p>
+            <a:pPr lvl="1"/>
+            <a:endParaRPr lang="en-US" dirty="0" smtClean="0"/>
+          </a:p>
+          <a:p>
+            <a:pPr marL="742950" lvl="1" indent="-285750">
+              <a:buFont typeface="Arial" panose="020B0604020202020204" pitchFamily="34" charset="0"/>
+              <a:buChar char="•"/>
+            </a:pPr>
+            <a:r>
+              <a:rPr lang="en-US" dirty="0"/>
+              <a:t>T</a:t>
+            </a:r>
+            <a:r>
+              <a:rPr lang="en-US" dirty="0" smtClean="0"/>
+              <a:t>he current political climate in Israel, </a:t>
+            </a:r>
+            <a:r>
+              <a:rPr lang="en-US" dirty="0"/>
+              <a:t>p</a:t>
+            </a:r>
+            <a:r>
+              <a:rPr lang="en-US" dirty="0" smtClean="0"/>
+              <a:t>eople feel that their government is not serving their interests, and the </a:t>
+            </a:r>
+            <a:r>
+              <a:rPr lang="en-US" dirty="0"/>
+              <a:t>I</a:t>
+            </a:r>
+            <a:r>
+              <a:rPr lang="en-US" dirty="0" smtClean="0"/>
+              <a:t>sraeli need to not let anyone fool you will give citizens motivation to use the app.</a:t>
+            </a:r>
+            <a:endParaRPr lang="en-US" dirty="0"/>
+          </a:p>
+          <a:p>
+            <a:pPr lvl="1"/>
+            <a:endParaRPr lang="en-US" dirty="0" smtClean="0"/>
+          </a:p>
+          <a:p>
+            <a:pPr marL="285750" indent="-285750">
+              <a:buFont typeface="Arial" panose="020B0604020202020204" pitchFamily="34" charset="0"/>
+              <a:buChar char="•"/>
+            </a:pPr>
+            <a:r>
+              <a:rPr lang="en-US" dirty="0" smtClean="0"/>
+              <a:t>Sources </a:t>
+            </a:r>
+            <a:r>
+              <a:rPr lang="en-US" dirty="0"/>
+              <a:t>of </a:t>
+            </a:r>
+            <a:r>
+              <a:rPr lang="en-US" dirty="0" smtClean="0"/>
+              <a:t>information: Scraping </a:t>
+            </a:r>
+            <a:r>
+              <a:rPr lang="en-US" dirty="0"/>
+              <a:t>the Knesset web site</a:t>
             </a:r>
             <a:r>
               <a:rPr lang="en-US" dirty="0" smtClean="0"/>
@@ -4932,45 +5020,8 @@
               <a:buChar char="•"/>
             </a:pPr>
             <a:r>
-              <a:rPr lang="en-US" dirty="0"/>
-              <a:t>Sources of </a:t>
-            </a:r>
-            <a:r>
               <a:rPr lang="en-US" dirty="0" smtClean="0"/>
-              <a:t>information: Scraping </a:t>
-            </a:r>
-            <a:r>
-              <a:rPr lang="en-US" dirty="0"/>
-              <a:t>the Knesset web site</a:t>
-            </a:r>
-            <a:r>
-              <a:rPr lang="en-US" dirty="0" smtClean="0"/>
-              <a:t>.</a:t>
-            </a:r>
-          </a:p>
-          <a:p>
-            <a:pPr marL="285750" indent="-285750">
-              <a:buFont typeface="Arial" panose="020B0604020202020204" pitchFamily="34" charset="0"/>
-              <a:buChar char="•"/>
-            </a:pPr>
-            <a:endParaRPr lang="en-US" dirty="0"/>
-          </a:p>
-          <a:p>
-            <a:pPr marL="285750" indent="-285750">
-              <a:buFont typeface="Arial" panose="020B0604020202020204" pitchFamily="34" charset="0"/>
-              <a:buChar char="•"/>
-            </a:pPr>
-            <a:r>
-              <a:rPr lang="en-US" dirty="0" smtClean="0"/>
-              <a:t>Reliability</a:t>
-            </a:r>
-            <a:r>
-              <a:rPr lang="en-US" dirty="0" smtClean="0"/>
-              <a:t>: </a:t>
-            </a:r>
-            <a:r>
-              <a:rPr lang="en-US" dirty="0" smtClean="0"/>
-              <a:t>unfortunately </a:t>
+              <a:t>Reliability: unfortunately </a:t>
             </a:r>
             <a:r>
               <a:rPr lang="en-US" dirty="0"/>
@@ -4978,11 +5029,7 @@
             </a:r>
             <a:r>
               <a:rPr lang="en-US" dirty="0" smtClean="0"/>
-              <a:t>will not “</a:t>
-            </a:r>
-            <a:r>
-              <a:rPr lang="en-US" dirty="0" smtClean="0"/>
-              <a:t>make </a:t>
+              <a:t>will not “make </a:t>
             </a:r>
             <a:r>
               <a:rPr lang="en-US" dirty="0"/>
@@ -5417,7 +5464,7 @@
                                         <p:tgtEl>
                                           <p:spTgt spid="5">
                                             <p:txEl>
-                                              <p:pRg st="6" end="6"/>
+                                              <p:pRg st="5" end="5"/>
                                             </p:txEl>
                                           </p:spTgt>
                                         </p:tgtEl>
@@ -5435,7 +5482,7 @@
                                         <p:tgtEl>
                                           <p:spTgt spid="5">
                                             <p:txEl>
-                                              <p:pRg st="6" end="6"/>
+                                              <p:pRg st="5" end="5"/>
                                             </p:txEl>
                                           </p:spTgt>
                                         </p:tgtEl>
@@ -5462,7 +5509,7 @@
                                         <p:tgtEl>
                                           <p:spTgt spid="5">
                                             <p:txEl>
-                                              <p:pRg st="6" end="6"/>
+                                              <p:pRg st="5" end="5"/>
                                             </p:txEl>
                                           </p:spTgt>
                                         </p:tgtEl>
@@ -5502,7 +5549,7 @@
                                         <p:tgtEl>
                                           <p:spTgt spid="5">
                                             <p:txEl>
-                                              <p:pRg st="8" end="8"/>
+                                              <p:pRg st="7" end="7"/>
                                             </p:txEl>
                                           </p:spTgt>
                                         </p:tgtEl>
@@ -5520,7 +5567,7 @@
                                         <p:tgtEl>
                                           <p:spTgt spid="5">
                                             <p:txEl>
-                                              <p:pRg st="8" end="8"/>
+                                              <p:pRg st="7" end="7"/>
                                             </p:txEl>
                                           </p:spTgt>
                                         </p:tgtEl>
@@ -5547,7 +5594,7 @@
                                         <p:tgtEl>
                                           <p:spTgt spid="5">
                                             <p:txEl>
-                                              <p:pRg st="8" end="8"/>
+                                              <p:pRg st="7" end="7"/>
                                             </p:txEl>
                                           </p:spTgt>
                                         </p:tgtEl>
@@ -5587,7 +5634,7 @@
                                         <p:tgtEl>
                                           <p:spTgt spid="5">
                                             <p:txEl>
-                                              <p:pRg st="10" end="10"/>
+                                              <p:pRg st="9" end="9"/>
                                             </p:txEl>
                                           </p:spTgt>
                                         </p:tgtEl>
@@ -5605,7 +5652,7 @@
                                         <p:tgtEl>
                                           <p:spTgt spid="5">
                                             <p:txEl>
-                                              <p:pRg st="10" end="10"/>
+                                              <p:pRg st="9" end="9"/>
                                             </p:txEl>
                                           </p:spTgt>
                                         </p:tgtEl>
@@ -5632,7 +5679,177 @@
                                         <p:tgtEl>
                                           <p:spTgt spid="5">
                                             <p:txEl>
-                                              <p:pRg st="10" end="10"/>
+                                              <p:pRg st="9" end="9"/>
+                                            </p:txEl>
+                                          </p:spTgt>
+                                        </p:tgtEl>
+                                        <p:attrNameLst>
+                                          <p:attrName>ppt_y</p:attrName>
+                                        </p:attrNameLst>
+                                      </p:cBhvr>
+                                      <p:tavLst>
+                                        <p:tav tm="0">
+                                          <p:val>
+                                            <p:strVal val="1+#ppt_h/2"/>
+                                          </p:val>
+                                        </p:tav>
+                                        <p:tav tm="100000">
+                                          <p:val>
+                                            <p:strVal val="#ppt_y"/>
+                                          </p:val>
+                                        </p:tav>
+                                      </p:tavLst>
+                                    </p:anim>
+                                  </p:childTnLst>
+                                </p:cTn>
+                              </p:par>
+                              <p:par>
+                                <p:cTn id="29" presetID="2" presetClass="entr" presetSubtype="4" fill="hold" nodeType="withEffect">
+                                  <p:stCondLst>
+                                    <p:cond delay="0"/>
+                                  </p:stCondLst>
+                                  <p:childTnLst>
+                                    <p:set>
+                                      <p:cBhvr>
+                                        <p:cTn id="30" dur="1" fill="hold">
+                                          <p:stCondLst>
+                                            <p:cond delay="0"/>
+                                          </p:stCondLst>
+                                        </p:cTn>
+                                        <p:tgtEl>
+                                          <p:spTgt spid="5">
+                                            <p:txEl>
+                                              <p:pRg st="11" end="11"/>
+                                            </p:txEl>
+                                          </p:spTgt>
+                                        </p:tgtEl>
+                                        <p:attrNameLst>
+                                          <p:attrName>style.visibility</p:attrName>
+                                        </p:attrNameLst>
+                                      </p:cBhvr>
+                                      <p:to>
+                                        <p:strVal val="visible"/>
+                                      </p:to>
+                                    </p:set>
+                                    <p:anim calcmode="lin" valueType="num">
+                                      <p:cBhvr additive="base">
+                                        <p:cTn id="31" dur="500" fill="hold"/>
+                                        <p:tgtEl>
+                                          <p:spTgt spid="5">
+                                            <p:txEl>
+                                              <p:pRg st="11" end="11"/>
+                                            </p:txEl>
+                                          </p:spTgt>
+                                        </p:tgtEl>
+                                        <p:attrNameLst>
+                                          <p:attrName>ppt_x</p:attrName>
+                                        </p:attrNameLst>
+                                      </p:cBhvr>
+                                      <p:tavLst>
+                                        <p:tav tm="0">
+                                          <p:val>
+                                            <p:strVal val="#ppt_x"/>
+                                          </p:val>
+                                        </p:tav>
+                                        <p:tav tm="100000">
+                                          <p:val>
+                                            <p:strVal val="#ppt_x"/>
+                                          </p:val>
+                                        </p:tav>
+                                      </p:tavLst>
+                                    </p:anim>
+                                    <p:anim calcmode="lin" valueType="num">
+                                      <p:cBhvr additive="base">
+                                        <p:cTn id="32" dur="500" fill="hold"/>
+                                        <p:tgtEl>
+                                          <p:spTgt spid="5">
+                                            <p:txEl>
+                                              <p:pRg st="11" end="11"/>
+                                            </p:txEl>
+                                          </p:spTgt>
+                                        </p:tgtEl>
+                                        <p:attrNameLst>
+                                          <p:attrName>ppt_y</p:attrName>
+                                        </p:attrNameLst>
+                                      </p:cBhvr>
+                                      <p:tavLst>
+                                        <p:tav tm="0">
+                                          <p:val>
+                                            <p:strVal val="1+#ppt_h/2"/>
+                                          </p:val>
+                                        </p:tav>
+                                        <p:tav tm="100000">
+                                          <p:val>
+                                            <p:strVal val="#ppt_y"/>
+                                          </p:val>
+                                        </p:tav>
+                                      </p:tavLst>
+                                    </p:anim>
+                                  </p:childTnLst>
+                                </p:cTn>
+                              </p:par>
+                              <p:par>
+                                <p:cTn id="33" presetID="2" presetClass="entr" presetSubtype="4" fill="hold" nodeType="withEffect">
+                                  <p:stCondLst>
+                                    <p:cond delay="0"/>
+                                  </p:stCondLst>
+                                  <p:childTnLst>
+                                    <p:set>
+                                      <p:cBhvr>
+                                        <p:cTn id="34" dur="1" fill="hold">
+                                          <p:stCondLst>
+                                            <p:cond delay="0"/>
+                                          </p:stCondLst>
+                                        </p:cTn>
+                                        <p:tgtEl>
+                                          <p:spTgt spid="5">
+                                            <p:txEl>
+                                              <p:pRg st="13" end="13"/>
+                                            </p:txEl>
+                                          </p:spTgt>
+                                        </p:tgtEl>
+                                        <p:attrNameLst>
+                                          <p:attrName>style.visibility</p:attrName>
+                                        </p:attrNameLst>
+                                      </p:cBhvr>
+                                      <p:to>
+                                        <p:strVal val="visible"/>
+                                      </p:to>
+                                    </p:set>
+                                    <p:anim calcmode="lin" valueType="num">
+                                      <p:cBhvr additive="base">
+                                        <p:cTn id="35" dur="500" fill="hold"/>
+                                        <p:tgtEl>
+                                          <p:spTgt spid="5">
+                                            <p:txEl>
+                                              <p:pRg st="13" end="13"/>
+                                            </p:txEl>
+                                          </p:spTgt>
+                                        </p:tgtEl>
+                                        <p:attrNameLst>
+                                          <p:attrName>ppt_x</p:attrName>
+                                        </p:attrNameLst>
+                                      </p:cBhvr>
+                                      <p:tavLst>
+                                        <p:tav tm="0">
+                                          <p:val>
+                                            <p:strVal val="#ppt_x"/>
+                                          </p:val>
+                                        </p:tav>
+                                        <p:tav tm="100000">
+                                          <p:val>
+                                            <p:strVal val="#ppt_x"/>
+                                          </p:val>
+                                        </p:tav>
+                                      </p:tavLst>
+                                    </p:anim>
+                                    <p:anim calcmode="lin" valueType="num">
+                                      <p:cBhvr additive="base">
+                                        <p:cTn id="36" dur="500" fill="hold"/>
+                                        <p:tgtEl>
+                                          <p:spTgt spid="5">
+                                            <p:txEl>
+                                              <p:pRg st="13" end="13"/>
                                             </p:txEl>
                                           </p:spTgt>
                                         </p:tgtEl>
@@ -10407,24 +10624,9 @@
           <a:lstStyle/>
           <a:p>
             <a:r>
-              <a:rPr lang="en-US" sz="4000" dirty="0">
-                <a:solidFill>
-                  <a:schemeClr val="accent3">
-                    <a:lumMod val="75000"/>
-                  </a:schemeClr>
-                </a:solidFill>
-              </a:rPr>
-              <a:t>MUCH Politics! VERY Crowd!</a:t>
-            </a:r>
-            <a:r>
-              <a:rPr lang="en-US" sz="4000" dirty="0">
-                <a:solidFill>
-                  <a:srgbClr val="5FCBEF"/>
-                </a:solidFill>
-              </a:rPr>
-              <a:t>  </a:t>
-            </a:r>
-            <a:endParaRPr lang="en-US" dirty="0"/>
+              <a:rPr lang="en-US" sz="4000" dirty="0"/>
+              <a:t>MUCH Politics! VERY Crowd!  </a:t>
+            </a:r>
           </a:p>
         </p:txBody>
       </p:sp>
@@ -10466,7 +10668,7 @@
         <p:spPr>
           <a:xfrm>
             <a:off x="683078" y="1611699"/>
-            <a:ext cx="10825843" cy="4862870"/>
+            <a:ext cx="10825843" cy="3570208"/>
           </a:xfrm>
           <a:prstGeom prst="rect">
             <a:avLst/>
@@ -10480,62 +10682,162 @@
           <a:lstStyle/>
           <a:p>
             <a:r>
+              <a:rPr lang="en-US" sz="2400" b="1" dirty="0"/>
+              <a:t>The power of the crowd</a:t>
+            </a:r>
+            <a:r>
+              <a:rPr lang="en-US" sz="2400" b="1" dirty="0" smtClean="0"/>
+              <a:t>:</a:t>
+            </a:r>
+          </a:p>
+          <a:p>
+            <a:endParaRPr lang="en-US" b="1" dirty="0" smtClean="0"/>
+          </a:p>
+          <a:p>
+            <a:pPr marL="742950" lvl="1" indent="-285750">
+              <a:buFont typeface="Arial" panose="020B0604020202020204" pitchFamily="34" charset="0"/>
+              <a:buChar char="•"/>
+            </a:pPr>
+            <a:r>
+              <a:rPr lang="en-US" dirty="0" smtClean="0"/>
+              <a:t>Each </a:t>
+            </a:r>
+            <a:r>
+              <a:rPr lang="en-US" dirty="0"/>
+              <a:t>user would vote for/against laws being </a:t>
+            </a:r>
+            <a:r>
+              <a:rPr lang="en-US" dirty="0" smtClean="0"/>
+              <a:t>passed, which will aggregate to </a:t>
+            </a:r>
+            <a:r>
+              <a:rPr lang="en-US" dirty="0"/>
+              <a:t>statistics averaged across all users demonstrating </a:t>
+            </a:r>
+            <a:r>
+              <a:rPr lang="en-US" b="1" dirty="0"/>
+              <a:t>how much each party’s law proposals and votes reflects the opinions of it’s </a:t>
+            </a:r>
+            <a:r>
               <a:rPr lang="en-US" b="1" dirty="0" smtClean="0"/>
-              <a:t>We will use the power of the crowd in order to show the people how much each party represents it’s constituents. Since each user would vote for/against laws being passed, we will show statistics  averaged across all users demonstrating how much each party’s law proposals and votes reflects/does not reflect the opinions of it’s constituents.</a:t>
-            </a:r>
-          </a:p>
-          <a:p>
+              <a:t>constituents</a:t>
+            </a:r>
+            <a:r>
+              <a:rPr lang="en-US" dirty="0" smtClean="0"/>
+              <a:t>.</a:t>
+            </a:r>
+          </a:p>
+          <a:p>
+            <a:pPr marL="742950" lvl="1" indent="-285750">
+              <a:buFont typeface="Arial" panose="020B0604020202020204" pitchFamily="34" charset="0"/>
+              <a:buChar char="•"/>
+            </a:pPr>
             <a:endParaRPr lang="en-US" sz="2800" b="1" dirty="0" smtClean="0"/>
           </a:p>
           <a:p>
+            <a:pPr marL="742950" lvl="1" indent="-285750">
+              <a:buFont typeface="Arial" panose="020B0604020202020204" pitchFamily="34" charset="0"/>
+              <a:buChar char="•"/>
+            </a:pPr>
             <a:r>
               <a:rPr lang="en-US" b="1" dirty="0" smtClean="0"/>
-              <a:t>The document describing the law is long and hard to read, so the app would present the users with a </a:t>
+              <a:t>Summary of the laws will be present </a:t>
             </a:r>
             <a:r>
               <a:rPr lang="en-US" b="1" dirty="0" smtClean="0"/>
-              <a:t>summary of the laws. By default this summary is also scraped from the web, but we will add an option for users to offer their own summary, and rate other user’s summary. Highly rated summaries would be presented alongside the default summaries.</a:t>
-            </a:r>
-          </a:p>
-          <a:p>
-            <a:endParaRPr lang="en-US" b="1" dirty="0"/>
-          </a:p>
-          <a:p>
+              <a:t>the </a:t>
+            </a:r>
             <a:r>
               <a:rPr lang="en-US" b="1" dirty="0" smtClean="0"/>
-              <a:t>In terms of motivation to use the app</a:t>
+              <a:t>users</a:t>
+            </a:r>
+            <a:r>
+              <a:rPr lang="en-US" b="1" dirty="0"/>
+              <a:t>.</a:t>
             </a:r>
             <a:r>
               <a:rPr lang="en-US" b="1" dirty="0" smtClean="0"/>
-              <a:t>, the current political climate in Israel is just right.</a:t>
-            </a:r>
-          </a:p>
-          <a:p>
+              <a:t> </a:t>
+            </a:r>
+            <a:r>
+              <a:rPr lang="en-US" dirty="0"/>
+              <a:t>b</a:t>
+            </a:r>
+            <a:r>
+              <a:rPr lang="en-US" dirty="0" smtClean="0"/>
+              <a:t>y </a:t>
+            </a:r>
+            <a:r>
+              <a:rPr lang="en-US" dirty="0" smtClean="0"/>
+              <a:t>default this summary </a:t>
+            </a:r>
+            <a:r>
+              <a:rPr lang="en-US" dirty="0" smtClean="0"/>
+              <a:t>is scraped </a:t>
+            </a:r>
+            <a:r>
+              <a:rPr lang="en-US" dirty="0" smtClean="0"/>
+              <a:t>from the </a:t>
+            </a:r>
+            <a:r>
+              <a:rPr lang="en-US" dirty="0"/>
+              <a:t>Knesset </a:t>
+            </a:r>
+            <a:r>
+              <a:rPr lang="en-US" dirty="0" smtClean="0"/>
+              <a:t>website, but </a:t>
+            </a:r>
+            <a:r>
+              <a:rPr lang="en-US" dirty="0"/>
+              <a:t>u</a:t>
+            </a:r>
+            <a:r>
+              <a:rPr lang="en-US" dirty="0" smtClean="0"/>
+              <a:t>sers</a:t>
+            </a:r>
             <a:r>
               <a:rPr lang="en-US" b="1" dirty="0" smtClean="0"/>
-              <a:t>People feel that their government is not serving their interests, and what is more </a:t>
+              <a:t> </a:t>
+            </a:r>
+            <a:r>
+              <a:rPr lang="en-US" dirty="0" smtClean="0"/>
+              <a:t>can </a:t>
+            </a:r>
+            <a:r>
+              <a:rPr lang="en-US" dirty="0" smtClean="0"/>
+              <a:t>offer their own </a:t>
+            </a:r>
+            <a:r>
+              <a:rPr lang="en-US" dirty="0" smtClean="0"/>
+              <a:t>summary</a:t>
             </a:r>
             <a:r>
               <a:rPr lang="en-US" b="1" dirty="0" smtClean="0"/>
-              <a:t>Israeli</a:t>
-            </a:r>
-            <a:r>
-              <a:rPr lang="en-US" b="1" dirty="0" smtClean="0"/>
-              <a:t> than the need to not let anyone </a:t>
-            </a:r>
-            <a:r>
-              <a:rPr lang="en-US" b="1" dirty="0" smtClean="0"/>
-              <a:t>fool </a:t>
-            </a:r>
-            <a:r>
-              <a:rPr lang="en-US" b="1" dirty="0" smtClean="0"/>
-              <a:t>you. </a:t>
-            </a:r>
-            <a:r>
-              <a:rPr lang="en-US" b="1" dirty="0" smtClean="0"/>
-              <a:t>Our app will show for each user how much the party he voted for serves his interests, and also show him the party which best serves it’s interests.</a:t>
-            </a:r>
-            <a:endParaRPr lang="en-US" b="1" dirty="0" smtClean="0"/>
+              <a:t> </a:t>
+            </a:r>
+            <a:r>
+              <a:rPr lang="en-US" dirty="0" smtClean="0"/>
+              <a:t>and rate other user’s </a:t>
+            </a:r>
+            <a:r>
+              <a:rPr lang="en-US" dirty="0" smtClean="0"/>
+              <a:t>summary</a:t>
+            </a:r>
+            <a:r>
+              <a:rPr lang="en-US" dirty="0" smtClean="0"/>
+              <a:t>.</a:t>
+            </a:r>
+            <a:br>
+              <a:rPr lang="en-US" dirty="0" smtClean="0"/>
+            </a:br>
+            <a:r>
+              <a:rPr lang="en-US" dirty="0" smtClean="0"/>
+              <a:t>Highly </a:t>
+            </a:r>
+            <a:r>
+              <a:rPr lang="en-US" dirty="0" smtClean="0"/>
+              <a:t>rated summaries would be presented alongside the default summaries.</a:t>
+            </a:r>
           </a:p>
           <a:p>
             <a:pPr lvl="1"/>
@@ -10646,7 +10948,303 @@
   <p:timing>
     <p:tnLst>
       <p:par>
-        <p:cTn id="1" dur="indefinite" restart="never" nodeType="tmRoot"/>
+        <p:cTn id="1" dur="indefinite" restart="never" nodeType="tmRoot">
+          <p:childTnLst>
+            <p:seq concurrent="1" nextAc="seek">
+              <p:cTn id="2" dur="indefinite" nodeType="mainSeq">
+                <p:childTnLst>
+                  <p:par>
+                    <p:cTn id="3" fill="hold">
+                      <p:stCondLst>
+                        <p:cond delay="indefinite"/>
+                      </p:stCondLst>
+                      <p:childTnLst>
+                        <p:par>
+                          <p:cTn id="4" fill="hold">
+                            <p:stCondLst>
+                              <p:cond delay="0"/>
+                            </p:stCondLst>
+                            <p:childTnLst>
+                              <p:par>
+                                <p:cTn id="5" presetID="2" presetClass="entr" presetSubtype="4" fill="hold" nodeType="clickEffect">
+                                  <p:stCondLst>
+                                    <p:cond delay="0"/>
+                                  </p:stCondLst>
+                                  <p:childTnLst>
+                                    <p:set>
+                                      <p:cBhvr>
+                                        <p:cTn id="6" dur="1" fill="hold">
+                                          <p:stCondLst>
+                                            <p:cond delay="0"/>
+                                          </p:stCondLst>
+                                        </p:cTn>
+                                        <p:tgtEl>
+                                          <p:spTgt spid="5">
+                                            <p:txEl>
+                                              <p:pRg st="0" end="0"/>
+                                            </p:txEl>
+                                          </p:spTgt>
+                                        </p:tgtEl>
+                                        <p:attrNameLst>
+                                          <p:attrName>style.visibility</p:attrName>
+                                        </p:attrNameLst>
+                                      </p:cBhvr>
+                                      <p:to>
+                                        <p:strVal val="visible"/>
+                                      </p:to>
+                                    </p:set>
+                                    <p:anim calcmode="lin" valueType="num">
+                                      <p:cBhvr additive="base">
+                                        <p:cTn id="7" dur="500" fill="hold"/>
+                                        <p:tgtEl>
+                                          <p:spTgt spid="5">
+                                            <p:txEl>
+                                              <p:pRg st="0" end="0"/>
+                                            </p:txEl>
+                                          </p:spTgt>
+                                        </p:tgtEl>
+                                        <p:attrNameLst>
+                                          <p:attrName>ppt_x</p:attrName>
+                                        </p:attrNameLst>
+                                      </p:cBhvr>
+                                      <p:tavLst>
+                                        <p:tav tm="0">
+                                          <p:val>
+                                            <p:strVal val="#ppt_x"/>
+                                          </p:val>
+                                        </p:tav>
+                                        <p:tav tm="100000">
+                                          <p:val>
+                                            <p:strVal val="#ppt_x"/>
+                                          </p:val>
+                                        </p:tav>
+                                      </p:tavLst>
+                                    </p:anim>
+                                    <p:anim calcmode="lin" valueType="num">
+                                      <p:cBhvr additive="base">
+                                        <p:cTn id="8" dur="500" fill="hold"/>
+                                        <p:tgtEl>
+                                          <p:spTgt spid="5">
+                                            <p:txEl>
+                                              <p:pRg st="0" end="0"/>
+                                            </p:txEl>
+                                          </p:spTgt>
+                                        </p:tgtEl>
+                                        <p:attrNameLst>
+                                          <p:attrName>ppt_y</p:attrName>
+                                        </p:attrNameLst>
+                                      </p:cBhvr>
+                                      <p:tavLst>
+                                        <p:tav tm="0">
+                                          <p:val>
+                                            <p:strVal val="1+#ppt_h/2"/>
+                                          </p:val>
+                                        </p:tav>
+                                        <p:tav tm="100000">
+                                          <p:val>
+                                            <p:strVal val="#ppt_y"/>
+                                          </p:val>
+                                        </p:tav>
+                                      </p:tavLst>
+                                    </p:anim>
+                                  </p:childTnLst>
+                                </p:cTn>
+                              </p:par>
+                              <p:par>
+                                <p:cTn id="9" presetID="2" presetClass="entr" presetSubtype="4" fill="hold" nodeType="withEffect">
+                                  <p:stCondLst>
+                                    <p:cond delay="0"/>
+                                  </p:stCondLst>
+                                  <p:childTnLst>
+                                    <p:set>
+                                      <p:cBhvr>
+                                        <p:cTn id="10" dur="1" fill="hold">
+                                          <p:stCondLst>
+                                            <p:cond delay="0"/>
+                                          </p:stCondLst>
+                                        </p:cTn>
+                                        <p:tgtEl>
+                                          <p:spTgt spid="5">
+                                            <p:txEl>
+                                              <p:pRg st="2" end="2"/>
+                                            </p:txEl>
+                                          </p:spTgt>
+                                        </p:tgtEl>
+                                        <p:attrNameLst>
+                                          <p:attrName>style.visibility</p:attrName>
+                                        </p:attrNameLst>
+                                      </p:cBhvr>
+                                      <p:to>
+                                        <p:strVal val="visible"/>
+                                      </p:to>
+                                    </p:set>
+                                    <p:anim calcmode="lin" valueType="num">
+                                      <p:cBhvr additive="base">
+                                        <p:cTn id="11" dur="500" fill="hold"/>
+                                        <p:tgtEl>
+                                          <p:spTgt spid="5">
+                                            <p:txEl>
+                                              <p:pRg st="2" end="2"/>
+                                            </p:txEl>
+                                          </p:spTgt>
+                                        </p:tgtEl>
+                                        <p:attrNameLst>
+                                          <p:attrName>ppt_x</p:attrName>
+                                        </p:attrNameLst>
+                                      </p:cBhvr>
+                                      <p:tavLst>
+                                        <p:tav tm="0">
+                                          <p:val>
+                                            <p:strVal val="#ppt_x"/>
+                                          </p:val>
+                                        </p:tav>
+                                        <p:tav tm="100000">
+                                          <p:val>
+                                            <p:strVal val="#ppt_x"/>
+                                          </p:val>
+                                        </p:tav>
+                                      </p:tavLst>
+                                    </p:anim>
+                                    <p:anim calcmode="lin" valueType="num">
+                                      <p:cBhvr additive="base">
+                                        <p:cTn id="12" dur="500" fill="hold"/>
+                                        <p:tgtEl>
+                                          <p:spTgt spid="5">
+                                            <p:txEl>
+                                              <p:pRg st="2" end="2"/>
+                                            </p:txEl>
+                                          </p:spTgt>
+                                        </p:tgtEl>
+                                        <p:attrNameLst>
+                                          <p:attrName>ppt_y</p:attrName>
+                                        </p:attrNameLst>
+                                      </p:cBhvr>
+                                      <p:tavLst>
+                                        <p:tav tm="0">
+                                          <p:val>
+                                            <p:strVal val="1+#ppt_h/2"/>
+                                          </p:val>
+                                        </p:tav>
+                                        <p:tav tm="100000">
+                                          <p:val>
+                                            <p:strVal val="#ppt_y"/>
+                                          </p:val>
+                                        </p:tav>
+                                      </p:tavLst>
+                                    </p:anim>
+                                  </p:childTnLst>
+                                </p:cTn>
+                              </p:par>
+                              <p:par>
+                                <p:cTn id="13" presetID="2" presetClass="entr" presetSubtype="4" fill="hold" nodeType="withEffect">
+                                  <p:stCondLst>
+                                    <p:cond delay="0"/>
+                                  </p:stCondLst>
+                                  <p:childTnLst>
+                                    <p:set>
+                                      <p:cBhvr>
+                                        <p:cTn id="14" dur="1" fill="hold">
+                                          <p:stCondLst>
+                                            <p:cond delay="0"/>
+                                          </p:stCondLst>
+                                        </p:cTn>
+                                        <p:tgtEl>
+                                          <p:spTgt spid="5">
+                                            <p:txEl>
+                                              <p:pRg st="4" end="4"/>
+                                            </p:txEl>
+                                          </p:spTgt>
+                                        </p:tgtEl>
+                                        <p:attrNameLst>
+                                          <p:attrName>style.visibility</p:attrName>
+                                        </p:attrNameLst>
+                                      </p:cBhvr>
+                                      <p:to>
+                                        <p:strVal val="visible"/>
+                                      </p:to>
+                                    </p:set>
+                                    <p:anim calcmode="lin" valueType="num">
+                                      <p:cBhvr additive="base">
+                                        <p:cTn id="15" dur="500" fill="hold"/>
+                                        <p:tgtEl>
+                                          <p:spTgt spid="5">
+                                            <p:txEl>
+                                              <p:pRg st="4" end="4"/>
+                                            </p:txEl>
+                                          </p:spTgt>
+                                        </p:tgtEl>
+                                        <p:attrNameLst>
+                                          <p:attrName>ppt_x</p:attrName>
+                                        </p:attrNameLst>
+                                      </p:cBhvr>
+                                      <p:tavLst>
+                                        <p:tav tm="0">
+                                          <p:val>
+                                            <p:strVal val="#ppt_x"/>
+                                          </p:val>
+                                        </p:tav>
+                                        <p:tav tm="100000">
+                                          <p:val>
+                                            <p:strVal val="#ppt_x"/>
+                                          </p:val>
+                                        </p:tav>
+                                      </p:tavLst>
+                                    </p:anim>
+                                    <p:anim calcmode="lin" valueType="num">
+                                      <p:cBhvr additive="base">
+                                        <p:cTn id="16" dur="500" fill="hold"/>
+                                        <p:tgtEl>
+                                          <p:spTgt spid="5">
+                                            <p:txEl>
+                                              <p:pRg st="4" end="4"/>
+                                            </p:txEl>
+                                          </p:spTgt>
+                                        </p:tgtEl>
+                                        <p:attrNameLst>
+                                          <p:attrName>ppt_y</p:attrName>
+                                        </p:attrNameLst>
+                                      </p:cBhvr>
+                                      <p:tavLst>
+                                        <p:tav tm="0">
+                                          <p:val>
+                                            <p:strVal val="1+#ppt_h/2"/>
+                                          </p:val>
+                                        </p:tav>
+                                        <p:tav tm="100000">
+                                          <p:val>
+                                            <p:strVal val="#ppt_y"/>
+                                          </p:val>
+                                        </p:tav>
+                                      </p:tavLst>
+                                    </p:anim>
+                                  </p:childTnLst>
+                                </p:cTn>
+                              </p:par>
+                            </p:childTnLst>
+                          </p:cTn>
+                        </p:par>
+                      </p:childTnLst>
+                    </p:cTn>
+                  </p:par>
+                </p:childTnLst>
+              </p:cTn>
+              <p:prevCondLst>
+                <p:cond evt="onPrev" delay="0">
+                  <p:tgtEl>
+                    <p:sldTgt/>
+                  </p:tgtEl>
+                </p:cond>
+              </p:prevCondLst>
+              <p:nextCondLst>
+                <p:cond evt="onNext" delay="0">
+                  <p:tgtEl>
+                    <p:sldTgt/>
+                  </p:tgtEl>
+                </p:cond>
+              </p:nextCondLst>
+            </p:seq>
+          </p:childTnLst>
+        </p:cTn>
       </p:par>
     </p:tnLst>
   </p:timing>
@@ -11991,17 +12589,8 @@
             </a:r>
             <a:r>
               <a:rPr lang="en-US" sz="2400" b="1" dirty="0"/>
-              <a:t>and </a:t>
-            </a:r>
-            <a:r>
-              <a:rPr lang="en-US" sz="2400" b="1" dirty="0"/>
-              <a:t>t</a:t>
-            </a:r>
-            <a:r>
-              <a:rPr lang="en-US" sz="2400" b="1" dirty="0"/>
-              <a:t>echnologies:</a:t>
-            </a:r>
-            <a:endParaRPr lang="en-US" sz="2400" b="1" dirty="0"/>
+              <a:t>and technologies:</a:t>
+            </a:r>
           </a:p>
           <a:p>
             <a:endParaRPr lang="en-US" dirty="0"/>
@@ -12345,7 +12934,7 @@
                                         <p:tgtEl>
                                           <p:spTgt spid="5">
                                             <p:txEl>
-                                              <p:pRg st="3" end="3"/>
+                                              <p:pRg st="1" end="1"/>
                                             </p:txEl>
                                           </p:spTgt>
                                         </p:tgtEl>
@@ -12363,7 +12952,7 @@
                                         <p:tgtEl>
                                           <p:spTgt spid="5">
                                             <p:txEl>
-                                              <p:pRg st="3" end="3"/>
+                                              <p:pRg st="1" end="1"/>
                                             </p:txEl>
                                           </p:spTgt>
                                         </p:tgtEl>
@@ -12390,7 +12979,7 @@
                                         <p:tgtEl>
                                           <p:spTgt spid="5">
                                             <p:txEl>
-                                              <p:pRg st="3" end="3"/>
+                                              <p:pRg st="1" end="1"/>
                                             </p:txEl>
                                           </p:spTgt>
                                         </p:tgtEl>
@@ -12414,33 +13003,15 @@
                                   </p:childTnLst>
                                 </p:cTn>
                               </p:par>
-                            </p:childTnLst>
-                          </p:cTn>
-                        </p:par>
-                      </p:childTnLst>
-                    </p:cTn>
-                  </p:par>
-                  <p:par>
-                    <p:cTn id="9" fill="hold">
-                      <p:stCondLst>
-                        <p:cond delay="indefinite"/>
-                      </p:stCondLst>
-                      <p:childTnLst>
-                        <p:par>
-                          <p:cTn id="10" fill="hold">
-                            <p:stCondLst>
-                              <p:cond delay="0"/>
-                            </p:stCondLst>
-                            <p:childTnLst>
                               <p:par>
-                                <p:cTn id="11" presetID="2" presetClass="entr" presetSubtype="4" fill="hold" nodeType="clickEffect">
+                                <p:cTn id="9" presetID="2" presetClass="entr" presetSubtype="4" fill="hold" nodeType="withEffect">
                                   <p:stCondLst>
                                     <p:cond delay="0"/>
                                   </p:stCondLst>
                                   <p:childTnLst>
                                     <p:set>
                                       <p:cBhvr>
-                                        <p:cTn id="12" dur="1" fill="hold">
+                                        <p:cTn id="10" dur="1" fill="hold">
                                           <p:stCondLst>
                                             <p:cond delay="0"/>
                                           </p:stCondLst>
@@ -12448,7 +13019,7 @@
                                         <p:tgtEl>
                                           <p:spTgt spid="5">
                                             <p:txEl>
-                                              <p:pRg st="1" end="1"/>
+                                              <p:pRg st="3" end="3"/>
                                             </p:txEl>
                                           </p:spTgt>
                                         </p:tgtEl>
@@ -12462,11 +13033,11 @@
                                     </p:set>
                                     <p:anim calcmode="lin" valueType="num">
                                       <p:cBhvr additive="base">
-                                        <p:cTn id="13" dur="500" fill="hold"/>
-                                        <p:tgtEl>
-                                          <p:spTgt spid="5">
-                                            <p:txEl>
-                                              <p:pRg st="1" end="1"/>
+                                        <p:cTn id="11" dur="500" fill="hold"/>
+                                        <p:tgtEl>
+                                          <p:spTgt spid="5">
+                                            <p:txEl>
+                                              <p:pRg st="3" end="3"/>
                                             </p:txEl>
                                           </p:spTgt>
                                         </p:tgtEl>
@@ -12489,11 +13060,11 @@
                                     </p:anim>
                                     <p:anim calcmode="lin" valueType="num">
                                       <p:cBhvr additive="base">
-                                        <p:cTn id="14" dur="500" fill="hold"/>
-                                        <p:tgtEl>
-                                          <p:spTgt spid="5">
-                                            <p:txEl>
-                                              <p:pRg st="1" end="1"/>
+                                        <p:cTn id="12" dur="500" fill="hold"/>
+                                        <p:tgtEl>
+                                          <p:spTgt spid="5">
+                                            <p:txEl>
+                                              <p:pRg st="3" end="3"/>
                                             </p:txEl>
                                           </p:spTgt>
                                         </p:tgtEl>
@@ -12518,14 +13089,14 @@
                                 </p:cTn>
                               </p:par>
                               <p:par>
-                                <p:cTn id="15" presetID="2" presetClass="entr" presetSubtype="4" fill="hold" nodeType="withEffect">
+                                <p:cTn id="13" presetID="2" presetClass="entr" presetSubtype="4" fill="hold" nodeType="withEffect">
                                   <p:stCondLst>
                                     <p:cond delay="0"/>
                                   </p:stCondLst>
                                   <p:childTnLst>
                                     <p:set>
                                       <p:cBhvr>
-                                        <p:cTn id="16" dur="1" fill="hold">
+                                        <p:cTn id="14" dur="1" fill="hold">
                                           <p:stCondLst>
                                             <p:cond delay="0"/>
                                           </p:stCondLst>
@@ -12547,7 +13118,7 @@
                                     </p:set>
                                     <p:anim calcmode="lin" valueType="num">
                                       <p:cBhvr additive="base">
-                                        <p:cTn id="17" dur="500" fill="hold"/>
+                                        <p:cTn id="15" dur="500" fill="hold"/>
                                         <p:tgtEl>
                                           <p:spTgt spid="5">
                                             <p:txEl>
@@ -12574,7 +13145,7 @@
                                     </p:anim>
                                     <p:anim calcmode="lin" valueType="num">
                                       <p:cBhvr additive="base">
-                                        <p:cTn id="18" dur="500" fill="hold"/>
+                                        <p:cTn id="16" dur="500" fill="hold"/>
                                         <p:tgtEl>
                                           <p:spTgt spid="5">
                                             <p:txEl>
@@ -12603,14 +13174,14 @@
                                 </p:cTn>
                               </p:par>
                               <p:par>
-                                <p:cTn id="19" presetID="2" presetClass="entr" presetSubtype="4" fill="hold" nodeType="withEffect">
+                                <p:cTn id="17" presetID="2" presetClass="entr" presetSubtype="4" fill="hold" nodeType="withEffect">
                                   <p:stCondLst>
                                     <p:cond delay="0"/>
                                   </p:stCondLst>
                                   <p:childTnLst>
                                     <p:set>
                                       <p:cBhvr>
-                                        <p:cTn id="20" dur="1" fill="hold">
+                                        <p:cTn id="18" dur="1" fill="hold">
                                           <p:stCondLst>
                                             <p:cond delay="0"/>
                                           </p:stCondLst>
@@ -12632,7 +13203,7 @@
                                     </p:set>
                                     <p:anim calcmode="lin" valueType="num">
                                       <p:cBhvr additive="base">
-                                        <p:cTn id="21" dur="500" fill="hold"/>
+                                        <p:cTn id="19" dur="500" fill="hold"/>
                                         <p:tgtEl>
                                           <p:spTgt spid="5">
                                             <p:txEl>
@@ -12659,7 +13230,7 @@
                                     </p:anim>
                                     <p:anim calcmode="lin" valueType="num">
                                       <p:cBhvr additive="base">
-                                        <p:cTn id="22" dur="500" fill="hold"/>
+                                        <p:cTn id="20" dur="500" fill="hold"/>
                                         <p:tgtEl>
                                           <p:spTgt spid="5">
                                             <p:txEl>
@@ -12688,14 +13259,14 @@
                                 </p:cTn>
                               </p:par>
                               <p:par>
-                                <p:cTn id="23" presetID="2" presetClass="entr" presetSubtype="4" fill="hold" nodeType="withEffect">
+                                <p:cTn id="21" presetID="2" presetClass="entr" presetSubtype="4" fill="hold" nodeType="withEffect">
                                   <p:stCondLst>
                                     <p:cond delay="0"/>
                                   </p:stCondLst>
                                   <p:childTnLst>
                                     <p:set>
                                       <p:cBhvr>
-                                        <p:cTn id="24" dur="1" fill="hold">
+                                        <p:cTn id="22" dur="1" fill="hold">
                                           <p:stCondLst>
                                             <p:cond delay="0"/>
                                           </p:stCondLst>
@@ -12717,7 +13288,7 @@
                                     </p:set>
                                     <p:anim calcmode="lin" valueType="num">
                                       <p:cBhvr additive="base">
-                                        <p:cTn id="25" dur="500" fill="hold"/>
+                                        <p:cTn id="23" dur="500" fill="hold"/>
                                         <p:tgtEl>
                                           <p:spTgt spid="5">
                                             <p:txEl>
@@ -12744,7 +13315,7 @@
                                     </p:anim>
                                     <p:anim calcmode="lin" valueType="num">
                                       <p:cBhvr additive="base">
-                                        <p:cTn id="26" dur="500" fill="hold"/>
+                                        <p:cTn id="24" dur="500" fill="hold"/>
                                         <p:tgtEl>
                                           <p:spTgt spid="5">
                                             <p:txEl>
@@ -12773,14 +13344,14 @@
                                 </p:cTn>
                               </p:par>
                               <p:par>
-                                <p:cTn id="27" presetID="2" presetClass="entr" presetSubtype="4" fill="hold" nodeType="withEffect">
+                                <p:cTn id="25" presetID="2" presetClass="entr" presetSubtype="4" fill="hold" nodeType="withEffect">
                                   <p:stCondLst>
                                     <p:cond delay="0"/>
                                   </p:stCondLst>
                                   <p:childTnLst>
                                     <p:set>
                                       <p:cBhvr>
-                                        <p:cTn id="28" dur="1" fill="hold">
+                                        <p:cTn id="26" dur="1" fill="hold">
                                           <p:stCondLst>
                                             <p:cond delay="0"/>
                                           </p:stCondLst>
@@ -12802,7 +13373,7 @@
                                     </p:set>
                                     <p:anim calcmode="lin" valueType="num">
                                       <p:cBhvr additive="base">
-                                        <p:cTn id="29" dur="500" fill="hold"/>
+                                        <p:cTn id="27" dur="500" fill="hold"/>
                                         <p:tgtEl>
                                           <p:spTgt spid="5">
                                             <p:txEl>
@@ -12829,7 +13400,7 @@
                                     </p:anim>
                                     <p:anim calcmode="lin" valueType="num">
                                       <p:cBhvr additive="base">
-                                        <p:cTn id="30" dur="500" fill="hold"/>
+                                        <p:cTn id="28" dur="500" fill="hold"/>
                                         <p:tgtEl>
                                           <p:spTgt spid="5">
                                             <p:txEl>
@@ -12858,14 +13429,14 @@
                                 </p:cTn>
                               </p:par>
                               <p:par>
-                                <p:cTn id="31" presetID="2" presetClass="entr" presetSubtype="4" fill="hold" nodeType="withEffect">
+                                <p:cTn id="29" presetID="2" presetClass="entr" presetSubtype="4" fill="hold" nodeType="withEffect">
                                   <p:stCondLst>
                                     <p:cond delay="0"/>
                                   </p:stCondLst>
                                   <p:childTnLst>
                                     <p:set>
                                       <p:cBhvr>
-                                        <p:cTn id="32" dur="1" fill="hold">
+                                        <p:cTn id="30" dur="1" fill="hold">
                                           <p:stCondLst>
                                             <p:cond delay="0"/>
                                           </p:stCondLst>
@@ -12887,7 +13458,7 @@
                                     </p:set>
                                     <p:anim calcmode="lin" valueType="num">
                                       <p:cBhvr additive="base">
-                                        <p:cTn id="33" dur="500" fill="hold"/>
+                                        <p:cTn id="31" dur="500" fill="hold"/>
                                         <p:tgtEl>
                                           <p:spTgt spid="5">
                                             <p:txEl>
@@ -12914,7 +13485,7 @@
                                     </p:anim>
                                     <p:anim calcmode="lin" valueType="num">
                                       <p:cBhvr additive="base">
-                                        <p:cTn id="34" dur="500" fill="hold"/>
+                                        <p:cTn id="32" dur="500" fill="hold"/>
                                         <p:tgtEl>
                                           <p:spTgt spid="5">
                                             <p:txEl>
@@ -12943,14 +13514,14 @@
                                 </p:cTn>
                               </p:par>
                               <p:par>
-                                <p:cTn id="35" presetID="2" presetClass="entr" presetSubtype="4" fill="hold" nodeType="withEffect">
+                                <p:cTn id="33" presetID="2" presetClass="entr" presetSubtype="4" fill="hold" nodeType="withEffect">
                                   <p:stCondLst>
                                     <p:cond delay="0"/>
                                   </p:stCondLst>
                                   <p:childTnLst>
                                     <p:set>
                                       <p:cBhvr>
-                                        <p:cTn id="36" dur="1" fill="hold">
+                                        <p:cTn id="34" dur="1" fill="hold">
                                           <p:stCondLst>
                                             <p:cond delay="0"/>
                                           </p:stCondLst>
@@ -12972,7 +13543,7 @@
                                     </p:set>
                                     <p:anim calcmode="lin" valueType="num">
                                       <p:cBhvr additive="base">
-                                        <p:cTn id="37" dur="500" fill="hold"/>
+                                        <p:cTn id="35" dur="500" fill="hold"/>
                                         <p:tgtEl>
                                           <p:spTgt spid="5">
                                             <p:txEl>
@@ -12999,7 +13570,7 @@
                                     </p:anim>
                                     <p:anim calcmode="lin" valueType="num">
                                       <p:cBhvr additive="base">
-                                        <p:cTn id="38" dur="500" fill="hold"/>
+                                        <p:cTn id="36" dur="500" fill="hold"/>
                                         <p:tgtEl>
                                           <p:spTgt spid="5">
                                             <p:txEl>
@@ -13028,14 +13599,14 @@
                                 </p:cTn>
                               </p:par>
                               <p:par>
-                                <p:cTn id="39" presetID="2" presetClass="entr" presetSubtype="4" fill="hold" nodeType="withEffect">
+                                <p:cTn id="37" presetID="2" presetClass="entr" presetSubtype="4" fill="hold" nodeType="withEffect">
                                   <p:stCondLst>
                                     <p:cond delay="0"/>
                                   </p:stCondLst>
                                   <p:childTnLst>
                                     <p:set>
                                       <p:cBhvr>
-                                        <p:cTn id="40" dur="1" fill="hold">
+                                        <p:cTn id="38" dur="1" fill="hold">
                                           <p:stCondLst>
                                             <p:cond delay="0"/>
                                           </p:stCondLst>
@@ -13057,7 +13628,7 @@
                                     </p:set>
                                     <p:anim calcmode="lin" valueType="num">
                                       <p:cBhvr additive="base">
-                                        <p:cTn id="41" dur="500" fill="hold"/>
+                                        <p:cTn id="39" dur="500" fill="hold"/>
                                         <p:tgtEl>
                                           <p:spTgt spid="5">
                                             <p:txEl>
@@ -13084,7 +13655,7 @@
                                     </p:anim>
                                     <p:anim calcmode="lin" valueType="num">
                                       <p:cBhvr additive="base">
-                                        <p:cTn id="42" dur="500" fill="hold"/>
+                                        <p:cTn id="40" dur="500" fill="hold"/>
                                         <p:tgtEl>
                                           <p:spTgt spid="5">
                                             <p:txEl>
@@ -13113,14 +13684,14 @@
                                 </p:cTn>
                               </p:par>
                               <p:par>
-                                <p:cTn id="43" presetID="2" presetClass="entr" presetSubtype="4" fill="hold" nodeType="withEffect">
+                                <p:cTn id="41" presetID="2" presetClass="entr" presetSubtype="4" fill="hold" nodeType="withEffect">
                                   <p:stCondLst>
                                     <p:cond delay="0"/>
                                   </p:stCondLst>
                                   <p:childTnLst>
                                     <p:set>
                                       <p:cBhvr>
-                                        <p:cTn id="44" dur="1" fill="hold">
+                                        <p:cTn id="42" dur="1" fill="hold">
                                           <p:stCondLst>
                                             <p:cond delay="0"/>
                                           </p:stCondLst>
@@ -13142,7 +13713,7 @@
                                     </p:set>
                                     <p:anim calcmode="lin" valueType="num">
                                       <p:cBhvr additive="base">
-                                        <p:cTn id="45" dur="500" fill="hold"/>
+                                        <p:cTn id="43" dur="500" fill="hold"/>
                                         <p:tgtEl>
                                           <p:spTgt spid="5">
                                             <p:txEl>
@@ -13169,7 +13740,7 @@
                                     </p:anim>
                                     <p:anim calcmode="lin" valueType="num">
                                       <p:cBhvr additive="base">
-                                        <p:cTn id="46" dur="500" fill="hold"/>
+                                        <p:cTn id="44" dur="500" fill="hold"/>
                                         <p:tgtEl>
                                           <p:spTgt spid="5">
                                             <p:txEl>
@@ -13198,14 +13769,14 @@
                                 </p:cTn>
                               </p:par>
                               <p:par>
-                                <p:cTn id="47" presetID="2" presetClass="entr" presetSubtype="4" fill="hold" nodeType="withEffect">
+                                <p:cTn id="45" presetID="2" presetClass="entr" presetSubtype="4" fill="hold" nodeType="withEffect">
                                   <p:stCondLst>
                                     <p:cond delay="0"/>
                                   </p:stCondLst>
                                   <p:childTnLst>
                                     <p:set>
                                       <p:cBhvr>
-                                        <p:cTn id="48" dur="1" fill="hold">
+                                        <p:cTn id="46" dur="1" fill="hold">
                                           <p:stCondLst>
                                             <p:cond delay="0"/>
                                           </p:stCondLst>
@@ -13227,7 +13798,7 @@
                                     </p:set>
                                     <p:anim calcmode="lin" valueType="num">
                                       <p:cBhvr additive="base">
-                                        <p:cTn id="49" dur="500" fill="hold"/>
+                                        <p:cTn id="47" dur="500" fill="hold"/>
                                         <p:tgtEl>
                                           <p:spTgt spid="5">
                                             <p:txEl>
@@ -13254,7 +13825,7 @@
                                     </p:anim>
                                     <p:anim calcmode="lin" valueType="num">
                                       <p:cBhvr additive="base">
-                                        <p:cTn id="50" dur="500" fill="hold"/>
+                                        <p:cTn id="48" dur="500" fill="hold"/>
                                         <p:tgtEl>
                                           <p:spTgt spid="5">
                                             <p:txEl>
@@ -13283,14 +13854,14 @@
                                 </p:cTn>
                               </p:par>
                               <p:par>
-                                <p:cTn id="51" presetID="2" presetClass="entr" presetSubtype="4" fill="hold" nodeType="withEffect">
+                                <p:cTn id="49" presetID="2" presetClass="entr" presetSubtype="4" fill="hold" nodeType="withEffect">
                                   <p:stCondLst>
                                     <p:cond delay="0"/>
                                   </p:stCondLst>
                                   <p:childTnLst>
                                     <p:set>
                                       <p:cBhvr>
-                                        <p:cTn id="52" dur="1" fill="hold">
+                                        <p:cTn id="50" dur="1" fill="hold">
                                           <p:stCondLst>
                                             <p:cond delay="0"/>
                                           </p:stCondLst>
@@ -13312,7 +13883,7 @@
                                     </p:set>
                                     <p:anim calcmode="lin" valueType="num">
                                       <p:cBhvr additive="base">
-                                        <p:cTn id="53" dur="500" fill="hold"/>
+                                        <p:cTn id="51" dur="500" fill="hold"/>
                                         <p:tgtEl>
                                           <p:spTgt spid="5">
                                             <p:txEl>
@@ -13339,7 +13910,7 @@
                                     </p:anim>
                                     <p:anim calcmode="lin" valueType="num">
                                       <p:cBhvr additive="base">
-                                        <p:cTn id="54" dur="500" fill="hold"/>
+                                        <p:cTn id="52" dur="500" fill="hold"/>
                                         <p:tgtEl>
                                           <p:spTgt spid="5">
                                             <p:txEl>
